--- a/项目介绍.pptx
+++ b/项目介绍.pptx
@@ -26,13 +26,11 @@
     <p:sldId id="280" r:id="rId18"/>
     <p:sldId id="271" r:id="rId19"/>
     <p:sldId id="273" r:id="rId20"/>
-    <p:sldId id="275" r:id="rId22"/>
-    <p:sldId id="274" r:id="rId23"/>
-    <p:sldId id="281" r:id="rId24"/>
-    <p:sldId id="282" r:id="rId25"/>
-    <p:sldId id="283" r:id="rId26"/>
-    <p:sldId id="296" r:id="rId27"/>
-    <p:sldId id="276" r:id="rId28"/>
+    <p:sldId id="274" r:id="rId22"/>
+    <p:sldId id="281" r:id="rId23"/>
+    <p:sldId id="282" r:id="rId24"/>
+    <p:sldId id="283" r:id="rId25"/>
+    <p:sldId id="296" r:id="rId26"/>
   </p:sldIdLst>
   <p:sldSz cx="12192000" cy="6858000"/>
   <p:notesSz cx="6858000" cy="9144000"/>
@@ -482,84 +480,6 @@
 </file>
 
 <file path=ppt/notesSlides/notesSlide1.xml><?xml version="1.0" encoding="utf-8"?>
-<p:notes xmlns:a="http://schemas.openxmlformats.org/drawingml/2006/main" xmlns:r="http://schemas.openxmlformats.org/officeDocument/2006/relationships" xmlns:p="http://schemas.openxmlformats.org/presentationml/2006/main">
-  <p:cSld>
-    <p:spTree>
-      <p:nvGrpSpPr>
-        <p:cNvPr id="1" name=""/>
-        <p:cNvGrpSpPr/>
-        <p:nvPr/>
-      </p:nvGrpSpPr>
-      <p:grpSpPr>
-        <a:xfrm>
-          <a:off x="0" y="0"/>
-          <a:ext cx="0" cy="0"/>
-          <a:chOff x="0" y="0"/>
-          <a:chExt cx="0" cy="0"/>
-        </a:xfrm>
-      </p:grpSpPr>
-      <p:sp>
-        <p:nvSpPr>
-          <p:cNvPr id="2" name="幻灯片图像占位符 1"/>
-          <p:cNvSpPr>
-            <a:spLocks noGrp="1" noRot="1" noChangeAspect="1"/>
-          </p:cNvSpPr>
-          <p:nvPr>
-            <p:ph type="sldImg"/>
-          </p:nvPr>
-        </p:nvSpPr>
-        <p:spPr/>
-      </p:sp>
-      <p:sp>
-        <p:nvSpPr>
-          <p:cNvPr id="3" name="备注占位符 2"/>
-          <p:cNvSpPr>
-            <a:spLocks noGrp="1"/>
-          </p:cNvSpPr>
-          <p:nvPr>
-            <p:ph type="body" idx="1"/>
-          </p:nvPr>
-        </p:nvSpPr>
-        <p:spPr/>
-        <p:txBody>
-          <a:bodyPr/>
-          <a:lstStyle/>
-          <a:p>
-            <a:endParaRPr lang="zh-CN" altLang="en-US" dirty="0"/>
-          </a:p>
-        </p:txBody>
-      </p:sp>
-      <p:sp>
-        <p:nvSpPr>
-          <p:cNvPr id="4" name="灯片编号占位符 3"/>
-          <p:cNvSpPr>
-            <a:spLocks noGrp="1"/>
-          </p:cNvSpPr>
-          <p:nvPr>
-            <p:ph type="sldNum" sz="quarter" idx="10"/>
-          </p:nvPr>
-        </p:nvSpPr>
-        <p:spPr/>
-        <p:txBody>
-          <a:bodyPr/>
-          <a:lstStyle/>
-          <a:p>
-            <a:fld id="{BB18A18D-D807-484B-9B6D-5F84AFE7B5B0}" type="slidenum">
-              <a:rPr lang="zh-CN" altLang="en-US" smtClean="0"/>
-            </a:fld>
-            <a:endParaRPr lang="zh-CN" altLang="en-US"/>
-          </a:p>
-        </p:txBody>
-      </p:sp>
-    </p:spTree>
-  </p:cSld>
-  <p:clrMapOvr>
-    <a:masterClrMapping/>
-  </p:clrMapOvr>
-</p:notes>
-</file>
-
-<file path=ppt/notesSlides/notesSlide2.xml><?xml version="1.0" encoding="utf-8"?>
 <p:notes xmlns:a="http://schemas.openxmlformats.org/drawingml/2006/main" xmlns:r="http://schemas.openxmlformats.org/officeDocument/2006/relationships" xmlns:p="http://schemas.openxmlformats.org/presentationml/2006/main">
   <p:cSld>
     <p:spTree>
@@ -3463,7 +3383,7 @@
         </p:nvSpPr>
         <p:spPr>
           <a:xfrm>
-            <a:off x="399735" y="269823"/>
+            <a:off x="399735" y="643203"/>
             <a:ext cx="11052749" cy="3182314"/>
           </a:xfrm>
         </p:spPr>
@@ -3547,7 +3467,7 @@
         </p:nvSpPr>
         <p:spPr>
           <a:xfrm>
-            <a:off x="811964" y="4606379"/>
+            <a:off x="811964" y="4088854"/>
             <a:ext cx="10228289" cy="1655762"/>
           </a:xfrm>
         </p:spPr>
@@ -4875,7 +4795,7 @@
         </p:nvGraphicFramePr>
         <p:xfrm>
           <a:off x="723899" y="2323074"/>
-          <a:ext cx="10090150" cy="4220210"/>
+          <a:ext cx="10090255" cy="4220210"/>
         </p:xfrm>
         <a:graphic>
           <a:graphicData uri="http://schemas.openxmlformats.org/drawingml/2006/table">
@@ -7548,7 +7468,7 @@
         </p:nvSpPr>
         <p:spPr>
           <a:xfrm>
-            <a:off x="209550" y="223838"/>
+            <a:off x="200025" y="587693"/>
             <a:ext cx="10515600" cy="690562"/>
           </a:xfrm>
         </p:spPr>
@@ -7621,8 +7541,8 @@
           </p:nvPr>
         </p:nvGraphicFramePr>
         <p:xfrm>
-          <a:off x="342900" y="1047750"/>
-          <a:ext cx="11309931" cy="5467350"/>
+          <a:off x="342900" y="1718310"/>
+          <a:ext cx="11309985" cy="4686300"/>
         </p:xfrm>
         <a:graphic>
           <a:graphicData uri="http://schemas.openxmlformats.org/drawingml/2006/table">
@@ -7869,25 +7789,21 @@
                           <a:latin typeface="微软雅黑" panose="020B0503020204020204" charset="-122"/>
                           <a:ea typeface="微软雅黑" panose="020B0503020204020204" charset="-122"/>
                         </a:rPr>
-                        <a:t>Register.vue</a:t>
-                      </a:r>
-                      <a:endParaRPr lang="zh-CN" altLang="en-US" dirty="0" smtClean="0">
-                        <a:latin typeface="微软雅黑" panose="020B0503020204020204" charset="-122"/>
-                        <a:ea typeface="微软雅黑" panose="020B0503020204020204" charset="-122"/>
-                      </a:endParaRPr>
-                    </a:p>
-                    <a:p>
-                      <a:pPr algn="ctr">
-                        <a:buClrTx/>
-                        <a:buSzTx/>
-                        <a:buFontTx/>
-                      </a:pPr>
+                        <a:t>登录</a:t>
+                      </a:r>
+                      <a:r>
+                        <a:rPr lang="en-US" altLang="zh-CN" dirty="0" smtClean="0">
+                          <a:latin typeface="微软雅黑" panose="020B0503020204020204" charset="-122"/>
+                          <a:ea typeface="微软雅黑" panose="020B0503020204020204" charset="-122"/>
+                        </a:rPr>
+                        <a:t>/</a:t>
+                      </a:r>
                       <a:r>
                         <a:rPr lang="zh-CN" altLang="en-US" dirty="0" smtClean="0">
                           <a:latin typeface="微软雅黑" panose="020B0503020204020204" charset="-122"/>
                           <a:ea typeface="微软雅黑" panose="020B0503020204020204" charset="-122"/>
                         </a:rPr>
-                        <a:t>Activity.vue</a:t>
+                        <a:t>注册</a:t>
                       </a:r>
                       <a:endParaRPr lang="zh-CN" altLang="en-US" dirty="0" smtClean="0">
                         <a:latin typeface="微软雅黑" panose="020B0503020204020204" charset="-122"/>
@@ -8054,7 +7970,21 @@
                           <a:latin typeface="微软雅黑" panose="020B0503020204020204" charset="-122"/>
                           <a:ea typeface="微软雅黑" panose="020B0503020204020204" charset="-122"/>
                         </a:rPr>
-                        <a:t>Login.vue</a:t>
+                        <a:t>首页</a:t>
+                      </a:r>
+                      <a:r>
+                        <a:rPr lang="en-US" altLang="zh-CN" dirty="0" smtClean="0">
+                          <a:latin typeface="微软雅黑" panose="020B0503020204020204" charset="-122"/>
+                          <a:ea typeface="微软雅黑" panose="020B0503020204020204" charset="-122"/>
+                        </a:rPr>
+                        <a:t>/</a:t>
+                      </a:r>
+                      <a:r>
+                        <a:rPr lang="zh-CN" altLang="en-US" dirty="0" smtClean="0">
+                          <a:latin typeface="微软雅黑" panose="020B0503020204020204" charset="-122"/>
+                          <a:ea typeface="微软雅黑" panose="020B0503020204020204" charset="-122"/>
+                        </a:rPr>
+                        <a:t>商品详情页</a:t>
                       </a:r>
                       <a:endParaRPr lang="zh-CN" altLang="en-US" dirty="0" smtClean="0">
                         <a:latin typeface="微软雅黑" panose="020B0503020204020204" charset="-122"/>
@@ -8216,6 +8146,55 @@
                         <a:buSzTx/>
                         <a:buFontTx/>
                       </a:pPr>
+                      <a:r>
+                        <a:rPr lang="zh-CN" altLang="en-US" dirty="0" smtClean="0">
+                          <a:latin typeface="微软雅黑" panose="020B0503020204020204" charset="-122"/>
+                          <a:ea typeface="微软雅黑" panose="020B0503020204020204" charset="-122"/>
+                        </a:rPr>
+                        <a:t>数据库设计</a:t>
+                      </a:r>
+                      <a:r>
+                        <a:rPr lang="en-US" altLang="zh-CN" dirty="0" smtClean="0">
+                          <a:latin typeface="微软雅黑" panose="020B0503020204020204" charset="-122"/>
+                          <a:ea typeface="微软雅黑" panose="020B0503020204020204" charset="-122"/>
+                        </a:rPr>
+                        <a:t>/</a:t>
+                      </a:r>
+                      <a:r>
+                        <a:rPr lang="zh-CN" altLang="en-US" dirty="0" smtClean="0">
+                          <a:latin typeface="微软雅黑" panose="020B0503020204020204" charset="-122"/>
+                          <a:ea typeface="微软雅黑" panose="020B0503020204020204" charset="-122"/>
+                        </a:rPr>
+                        <a:t>后台接口</a:t>
+                      </a:r>
+                      <a:r>
+                        <a:rPr lang="en-US" altLang="zh-CN" dirty="0" smtClean="0">
+                          <a:latin typeface="微软雅黑" panose="020B0503020204020204" charset="-122"/>
+                          <a:ea typeface="微软雅黑" panose="020B0503020204020204" charset="-122"/>
+                        </a:rPr>
+                        <a:t>/</a:t>
+                      </a:r>
+                      <a:r>
+                        <a:rPr lang="zh-CN" altLang="en-US" dirty="0" smtClean="0">
+                          <a:latin typeface="微软雅黑" panose="020B0503020204020204" charset="-122"/>
+                          <a:ea typeface="微软雅黑" panose="020B0503020204020204" charset="-122"/>
+                        </a:rPr>
+                        <a:t>购物车</a:t>
+                      </a:r>
+                      <a:r>
+                        <a:rPr lang="en-US" altLang="zh-CN" dirty="0" smtClean="0">
+                          <a:latin typeface="微软雅黑" panose="020B0503020204020204" charset="-122"/>
+                          <a:ea typeface="微软雅黑" panose="020B0503020204020204" charset="-122"/>
+                        </a:rPr>
+                        <a:t>/</a:t>
+                      </a:r>
+                      <a:r>
+                        <a:rPr lang="zh-CN" altLang="en-US" dirty="0" smtClean="0">
+                          <a:latin typeface="微软雅黑" panose="020B0503020204020204" charset="-122"/>
+                          <a:ea typeface="微软雅黑" panose="020B0503020204020204" charset="-122"/>
+                        </a:rPr>
+                        <a:t>订单</a:t>
+                      </a:r>
                       <a:endParaRPr lang="zh-CN" altLang="en-US" dirty="0" smtClean="0">
                         <a:latin typeface="微软雅黑" panose="020B0503020204020204" charset="-122"/>
                         <a:ea typeface="微软雅黑" panose="020B0503020204020204" charset="-122"/>
@@ -8376,6 +8355,27 @@
                         <a:buSzTx/>
                         <a:buFontTx/>
                       </a:pPr>
+                      <a:r>
+                        <a:rPr lang="zh-CN" altLang="en-US" dirty="0" smtClean="0">
+                          <a:latin typeface="微软雅黑" panose="020B0503020204020204" charset="-122"/>
+                          <a:ea typeface="微软雅黑" panose="020B0503020204020204" charset="-122"/>
+                        </a:rPr>
+                        <a:t>我的</a:t>
+                      </a:r>
+                      <a:r>
+                        <a:rPr lang="en-US" altLang="zh-CN" dirty="0" smtClean="0">
+                          <a:latin typeface="微软雅黑" panose="020B0503020204020204" charset="-122"/>
+                          <a:ea typeface="微软雅黑" panose="020B0503020204020204" charset="-122"/>
+                        </a:rPr>
+                        <a:t>/</a:t>
+                      </a:r>
+                      <a:r>
+                        <a:rPr lang="zh-CN" altLang="en-US" dirty="0" smtClean="0">
+                          <a:latin typeface="微软雅黑" panose="020B0503020204020204" charset="-122"/>
+                          <a:ea typeface="微软雅黑" panose="020B0503020204020204" charset="-122"/>
+                        </a:rPr>
+                        <a:t>百科</a:t>
+                      </a:r>
                       <a:endParaRPr lang="zh-CN" altLang="en-US" dirty="0" smtClean="0">
                         <a:latin typeface="微软雅黑" panose="020B0503020204020204" charset="-122"/>
                         <a:ea typeface="微软雅黑" panose="020B0503020204020204" charset="-122"/>
@@ -8634,144 +8634,6 @@
                         <a:ea typeface="微软雅黑" panose="020B0503020204020204" charset="-122"/>
                       </a:endParaRPr>
                     </a:p>
-                    <a:p>
-                      <a:pPr algn="ctr">
-                        <a:buClrTx/>
-                        <a:buSzTx/>
-                        <a:buFontTx/>
-                      </a:pPr>
-                      <a:endParaRPr lang="zh-CN" altLang="en-US" dirty="0" smtClean="0">
-                        <a:latin typeface="微软雅黑" panose="020B0503020204020204" charset="-122"/>
-                        <a:ea typeface="微软雅黑" panose="020B0503020204020204" charset="-122"/>
-                      </a:endParaRPr>
-                    </a:p>
-                  </a:txBody>
-                  <a:tcPr anchor="ctr"/>
-                </a:tc>
-                <a:tc>
-                  <a:txBody>
-                    <a:bodyPr/>
-                    <a:lstStyle/>
-                    <a:p>
-                      <a:pPr algn="ctr">
-                        <a:buClrTx/>
-                        <a:buSzTx/>
-                        <a:buFontTx/>
-                      </a:pPr>
-                      <a:endParaRPr lang="zh-CN" altLang="en-US" dirty="0" smtClean="0">
-                        <a:latin typeface="微软雅黑" panose="020B0503020204020204" charset="-122"/>
-                        <a:ea typeface="微软雅黑" panose="020B0503020204020204" charset="-122"/>
-                      </a:endParaRPr>
-                    </a:p>
-                  </a:txBody>
-                  <a:tcPr anchor="ctr"/>
-                </a:tc>
-              </a:tr>
-              <a:tr h="781050">
-                <a:tc>
-                  <a:txBody>
-                    <a:bodyPr/>
-                    <a:lstStyle/>
-                    <a:p>
-                      <a:pPr algn="ctr">
-                        <a:buClrTx/>
-                        <a:buSzTx/>
-                        <a:buFontTx/>
-                      </a:pPr>
-                      <a:r>
-                        <a:rPr lang="zh-CN" altLang="en-US" dirty="0" smtClean="0">
-                          <a:latin typeface="微软雅黑" panose="020B0503020204020204" charset="-122"/>
-                          <a:ea typeface="微软雅黑" panose="020B0503020204020204" charset="-122"/>
-                        </a:rPr>
-                        <a:t>6</a:t>
-                      </a:r>
-                      <a:endParaRPr lang="zh-CN" altLang="en-US" dirty="0" smtClean="0">
-                        <a:latin typeface="微软雅黑" panose="020B0503020204020204" charset="-122"/>
-                        <a:ea typeface="微软雅黑" panose="020B0503020204020204" charset="-122"/>
-                      </a:endParaRPr>
-                    </a:p>
-                  </a:txBody>
-                  <a:tcPr anchor="ctr"/>
-                </a:tc>
-                <a:tc>
-                  <a:txBody>
-                    <a:bodyPr/>
-                    <a:lstStyle/>
-                    <a:p>
-                      <a:pPr algn="ctr">
-                        <a:buClrTx/>
-                        <a:buSzTx/>
-                        <a:buFontTx/>
-                      </a:pPr>
-                      <a:r>
-                        <a:rPr lang="zh-CN" altLang="en-US" dirty="0" smtClean="0">
-                          <a:latin typeface="微软雅黑" panose="020B0503020204020204" charset="-122"/>
-                          <a:ea typeface="微软雅黑" panose="020B0503020204020204" charset="-122"/>
-                        </a:rPr>
-                        <a:t>项目上线和优 化</a:t>
-                      </a:r>
-                      <a:endParaRPr lang="zh-CN" altLang="en-US" dirty="0" smtClean="0">
-                        <a:latin typeface="微软雅黑" panose="020B0503020204020204" charset="-122"/>
-                        <a:ea typeface="微软雅黑" panose="020B0503020204020204" charset="-122"/>
-                      </a:endParaRPr>
-                    </a:p>
-                  </a:txBody>
-                  <a:tcPr anchor="ctr"/>
-                </a:tc>
-                <a:tc>
-                  <a:txBody>
-                    <a:bodyPr/>
-                    <a:lstStyle/>
-                    <a:p>
-                      <a:pPr algn="ctr">
-                        <a:buClrTx/>
-                        <a:buSzTx/>
-                        <a:buFontTx/>
-                      </a:pPr>
-                      <a:r>
-                        <a:rPr lang="zh-CN" altLang="en-US" dirty="0" smtClean="0">
-                          <a:latin typeface="微软雅黑" panose="020B0503020204020204" charset="-122"/>
-                          <a:ea typeface="微软雅黑" panose="020B0503020204020204" charset="-122"/>
-                        </a:rPr>
-                        <a:t>项目上线和优化</a:t>
-                      </a:r>
-                      <a:endParaRPr lang="zh-CN" altLang="en-US" dirty="0" smtClean="0">
-                        <a:latin typeface="微软雅黑" panose="020B0503020204020204" charset="-122"/>
-                        <a:ea typeface="微软雅黑" panose="020B0503020204020204" charset="-122"/>
-                      </a:endParaRPr>
-                    </a:p>
-                  </a:txBody>
-                  <a:tcPr anchor="ctr"/>
-                </a:tc>
-                <a:tc>
-                  <a:txBody>
-                    <a:bodyPr/>
-                    <a:lstStyle/>
-                    <a:p>
-                      <a:pPr algn="ctr">
-                        <a:buClrTx/>
-                        <a:buSzTx/>
-                        <a:buFontTx/>
-                      </a:pPr>
-                      <a:r>
-                        <a:rPr lang="zh-CN" altLang="en-US" dirty="0" smtClean="0">
-                          <a:latin typeface="微软雅黑" panose="020B0503020204020204" charset="-122"/>
-                          <a:ea typeface="微软雅黑" panose="020B0503020204020204" charset="-122"/>
-                        </a:rPr>
-                        <a:t>赵子博</a:t>
-                      </a:r>
-                      <a:endParaRPr lang="zh-CN" altLang="en-US" dirty="0" smtClean="0">
-                        <a:latin typeface="微软雅黑" panose="020B0503020204020204" charset="-122"/>
-                        <a:ea typeface="微软雅黑" panose="020B0503020204020204" charset="-122"/>
-                      </a:endParaRPr>
-                    </a:p>
-                  </a:txBody>
-                  <a:tcPr anchor="ctr"/>
-                </a:tc>
-                <a:tc>
-                  <a:txBody>
-                    <a:bodyPr/>
-                    <a:lstStyle/>
                     <a:p>
                       <a:pPr algn="ctr">
                         <a:buClrTx/>
@@ -8846,7 +8708,7 @@
         </p:nvSpPr>
         <p:spPr>
           <a:xfrm>
-            <a:off x="361950" y="288925"/>
+            <a:off x="285750" y="155575"/>
             <a:ext cx="10515600" cy="1325563"/>
           </a:xfrm>
         </p:spPr>
@@ -8868,7 +8730,7 @@
                 <a:ea typeface="微软雅黑" panose="020B0503020204020204" charset="-122"/>
                 <a:cs typeface="微软雅黑" panose="020B0503020204020204" charset="-122"/>
               </a:rPr>
-              <a:t>项目部署</a:t>
+              <a:t>项目难点及解决</a:t>
             </a:r>
             <a:endParaRPr lang="zh-CN" altLang="en-US" dirty="0">
               <a:latin typeface="微软雅黑" panose="020B0503020204020204" charset="-122"/>
@@ -8880,174 +8742,167 @@
       </p:sp>
       <p:sp>
         <p:nvSpPr>
-          <p:cNvPr id="3" name="内容占位符 2"/>
-          <p:cNvSpPr>
-            <a:spLocks noGrp="1"/>
-          </p:cNvSpPr>
-          <p:nvPr>
-            <p:ph idx="1"/>
-          </p:nvPr>
+          <p:cNvPr id="4" name="文本框 3"/>
+          <p:cNvSpPr txBox="1"/>
+          <p:nvPr/>
         </p:nvSpPr>
         <p:spPr>
           <a:xfrm>
-            <a:off x="800100" y="2206625"/>
-            <a:ext cx="10515600" cy="4351338"/>
+            <a:off x="614045" y="1481455"/>
+            <a:ext cx="10502265" cy="4648200"/>
           </a:xfrm>
+          <a:prstGeom prst="rect">
+            <a:avLst/>
+          </a:prstGeom>
+          <a:noFill/>
         </p:spPr>
         <p:txBody>
-          <a:bodyPr>
-            <a:normAutofit lnSpcReduction="10000"/>
+          <a:bodyPr wrap="square" rtlCol="0" anchor="t">
+            <a:spAutoFit/>
           </a:bodyPr>
-          <a:lstStyle/>
-          <a:p>
-            <a:r>
-              <a:rPr lang="en-US" altLang="zh-CN" sz="3200" dirty="0">
-                <a:latin typeface="微软雅黑" panose="020B0503020204020204" charset="-122"/>
-                <a:ea typeface="微软雅黑" panose="020B0503020204020204" charset="-122"/>
-                <a:cs typeface="微软雅黑" panose="020B0503020204020204" charset="-122"/>
-              </a:rPr>
-              <a:t>UI</a:t>
-            </a:r>
-            <a:r>
-              <a:rPr lang="zh-CN" altLang="en-US" sz="3200" dirty="0">
-                <a:latin typeface="微软雅黑" panose="020B0503020204020204" charset="-122"/>
-                <a:ea typeface="微软雅黑" panose="020B0503020204020204" charset="-122"/>
-                <a:cs typeface="微软雅黑" panose="020B0503020204020204" charset="-122"/>
-              </a:rPr>
-              <a:t>设计图：</a:t>
-            </a:r>
-            <a:r>
-              <a:rPr lang="zh-CN" altLang="en-US" sz="3200" dirty="0" smtClean="0">
-                <a:latin typeface="微软雅黑" panose="020B0503020204020204" charset="-122"/>
-                <a:ea typeface="微软雅黑" panose="020B0503020204020204" charset="-122"/>
-                <a:cs typeface="微软雅黑" panose="020B0503020204020204" charset="-122"/>
-              </a:rPr>
-              <a:t>采用 站酷 中的模板 </a:t>
-            </a:r>
-            <a:r>
-              <a:rPr lang="en-US" altLang="zh-CN" sz="3200" dirty="0" smtClean="0">
-                <a:latin typeface="微软雅黑" panose="020B0503020204020204" charset="-122"/>
-                <a:ea typeface="微软雅黑" panose="020B0503020204020204" charset="-122"/>
-                <a:cs typeface="微软雅黑" panose="020B0503020204020204" charset="-122"/>
-              </a:rPr>
-              <a:t>+ </a:t>
-            </a:r>
-            <a:r>
-              <a:rPr lang="zh-CN" altLang="en-US" sz="3200" dirty="0" smtClean="0">
-                <a:latin typeface="微软雅黑" panose="020B0503020204020204" charset="-122"/>
-                <a:ea typeface="微软雅黑" panose="020B0503020204020204" charset="-122"/>
-                <a:cs typeface="微软雅黑" panose="020B0503020204020204" charset="-122"/>
-              </a:rPr>
-              <a:t>自行设计</a:t>
-            </a:r>
-            <a:endParaRPr lang="zh-CN" altLang="en-US" sz="3200" dirty="0" smtClean="0">
+          <a:p>
+            <a:pPr>
+              <a:lnSpc>
+                <a:spcPct val="130000"/>
+              </a:lnSpc>
+            </a:pPr>
+            <a:r>
+              <a:rPr lang="zh-CN" altLang="en-US" sz="3200" b="1">
+                <a:latin typeface="微软雅黑" panose="020B0503020204020204" charset="-122"/>
+                <a:ea typeface="微软雅黑" panose="020B0503020204020204" charset="-122"/>
+                <a:cs typeface="微软雅黑" panose="020B0503020204020204" charset="-122"/>
+              </a:rPr>
+              <a:t>难点</a:t>
+            </a:r>
+            <a:r>
+              <a:rPr lang="en-US" altLang="zh-CN" sz="3200" b="1">
+                <a:latin typeface="微软雅黑" panose="020B0503020204020204" charset="-122"/>
+                <a:ea typeface="微软雅黑" panose="020B0503020204020204" charset="-122"/>
+                <a:cs typeface="微软雅黑" panose="020B0503020204020204" charset="-122"/>
+              </a:rPr>
+              <a:t>1</a:t>
+            </a:r>
+            <a:r>
+              <a:rPr lang="zh-CN" altLang="en-US" sz="3200" b="1">
+                <a:latin typeface="微软雅黑" panose="020B0503020204020204" charset="-122"/>
+                <a:ea typeface="微软雅黑" panose="020B0503020204020204" charset="-122"/>
+                <a:cs typeface="微软雅黑" panose="020B0503020204020204" charset="-122"/>
+              </a:rPr>
+              <a:t>：axios的post请求问题 </a:t>
+            </a:r>
+            <a:endParaRPr lang="zh-CN" altLang="en-US" sz="3200" b="1">
               <a:latin typeface="微软雅黑" panose="020B0503020204020204" charset="-122"/>
               <a:ea typeface="微软雅黑" panose="020B0503020204020204" charset="-122"/>
               <a:cs typeface="微软雅黑" panose="020B0503020204020204" charset="-122"/>
             </a:endParaRPr>
           </a:p>
           <a:p>
-            <a:endParaRPr lang="en-US" altLang="zh-CN" sz="3200" dirty="0" smtClean="0">
+            <a:pPr>
+              <a:lnSpc>
+                <a:spcPct val="130000"/>
+              </a:lnSpc>
+            </a:pPr>
+            <a:r>
+              <a:rPr lang="zh-CN" altLang="en-US" sz="2400" b="1">
+                <a:latin typeface="微软雅黑" panose="020B0503020204020204" charset="-122"/>
+                <a:ea typeface="微软雅黑" panose="020B0503020204020204" charset="-122"/>
+                <a:cs typeface="微软雅黑" panose="020B0503020204020204" charset="-122"/>
+              </a:rPr>
+              <a:t>问题描述</a:t>
+            </a:r>
+            <a:r>
+              <a:rPr lang="zh-CN" altLang="en-US" sz="2000">
+                <a:latin typeface="微软雅黑" panose="020B0503020204020204" charset="-122"/>
+                <a:ea typeface="微软雅黑" panose="020B0503020204020204" charset="-122"/>
+                <a:cs typeface="微软雅黑" panose="020B0503020204020204" charset="-122"/>
+              </a:rPr>
+              <a:t>：</a:t>
+            </a:r>
+            <a:r>
+              <a:rPr lang="zh-CN" altLang="en-US" sz="2400">
+                <a:latin typeface="微软雅黑" panose="020B0503020204020204" charset="-122"/>
+                <a:ea typeface="微软雅黑" panose="020B0503020204020204" charset="-122"/>
+                <a:cs typeface="微软雅黑" panose="020B0503020204020204" charset="-122"/>
+              </a:rPr>
+              <a:t>a</a:t>
+            </a:r>
+            <a:r>
+              <a:rPr lang="zh-CN" altLang="en-US" sz="2400">
+                <a:latin typeface="微软雅黑" panose="020B0503020204020204" charset="-122"/>
+                <a:ea typeface="微软雅黑" panose="020B0503020204020204" charset="-122"/>
+                <a:cs typeface="微软雅黑" panose="020B0503020204020204" charset="-122"/>
+              </a:rPr>
+              <a:t>xios发送post请求默认提交的是json格式的数据，而在node中接收post请求的参数是通过body-parse（即querystring模块）中间件来转换参数的，导致参数接收不到,即req.body为空，或者数据格式</a:t>
+            </a:r>
+            <a:r>
+              <a:rPr lang="zh-CN" altLang="en-US" sz="2400">
+                <a:latin typeface="微软雅黑" panose="020B0503020204020204" charset="-122"/>
+                <a:ea typeface="微软雅黑" panose="020B0503020204020204" charset="-122"/>
+                <a:cs typeface="微软雅黑" panose="020B0503020204020204" charset="-122"/>
+              </a:rPr>
+              <a:t>不正确；</a:t>
+            </a:r>
+            <a:endParaRPr lang="zh-CN" altLang="en-US" sz="2400">
               <a:latin typeface="微软雅黑" panose="020B0503020204020204" charset="-122"/>
               <a:ea typeface="微软雅黑" panose="020B0503020204020204" charset="-122"/>
               <a:cs typeface="微软雅黑" panose="020B0503020204020204" charset="-122"/>
             </a:endParaRPr>
           </a:p>
           <a:p>
-            <a:r>
-              <a:rPr lang="zh-CN" altLang="en-US" sz="3200" dirty="0" smtClean="0">
-                <a:latin typeface="微软雅黑" panose="020B0503020204020204" charset="-122"/>
-                <a:ea typeface="微软雅黑" panose="020B0503020204020204" charset="-122"/>
-                <a:cs typeface="微软雅黑" panose="020B0503020204020204" charset="-122"/>
-              </a:rPr>
-              <a:t>代码</a:t>
-            </a:r>
-            <a:r>
-              <a:rPr lang="zh-CN" altLang="en-US" sz="3200" dirty="0">
-                <a:latin typeface="微软雅黑" panose="020B0503020204020204" charset="-122"/>
-                <a:ea typeface="微软雅黑" panose="020B0503020204020204" charset="-122"/>
-                <a:cs typeface="微软雅黑" panose="020B0503020204020204" charset="-122"/>
-              </a:rPr>
-              <a:t>管理仓库：通过</a:t>
-            </a:r>
-            <a:r>
-              <a:rPr lang="en-US" altLang="zh-CN" sz="3200" dirty="0">
-                <a:latin typeface="微软雅黑" panose="020B0503020204020204" charset="-122"/>
-                <a:ea typeface="微软雅黑" panose="020B0503020204020204" charset="-122"/>
-                <a:cs typeface="微软雅黑" panose="020B0503020204020204" charset="-122"/>
-              </a:rPr>
-              <a:t>GitHub</a:t>
-            </a:r>
-            <a:r>
-              <a:rPr lang="zh-CN" altLang="en-US" sz="3200" dirty="0">
-                <a:latin typeface="微软雅黑" panose="020B0503020204020204" charset="-122"/>
-                <a:ea typeface="微软雅黑" panose="020B0503020204020204" charset="-122"/>
-                <a:cs typeface="微软雅黑" panose="020B0503020204020204" charset="-122"/>
-              </a:rPr>
-              <a:t>集中管理。 </a:t>
-            </a:r>
-            <a:endParaRPr lang="zh-CN" altLang="en-US" sz="3200" dirty="0">
+            <a:pPr>
+              <a:lnSpc>
+                <a:spcPct val="130000"/>
+              </a:lnSpc>
+            </a:pPr>
+            <a:endParaRPr lang="zh-CN" altLang="en-US" sz="2400">
               <a:latin typeface="微软雅黑" panose="020B0503020204020204" charset="-122"/>
               <a:ea typeface="微软雅黑" panose="020B0503020204020204" charset="-122"/>
               <a:cs typeface="微软雅黑" panose="020B0503020204020204" charset="-122"/>
             </a:endParaRPr>
           </a:p>
           <a:p>
-            <a:r>
-              <a:rPr lang="zh-CN" altLang="en-US" sz="3200" dirty="0">
-                <a:latin typeface="微软雅黑" panose="020B0503020204020204" charset="-122"/>
-                <a:ea typeface="微软雅黑" panose="020B0503020204020204" charset="-122"/>
-                <a:cs typeface="微软雅黑" panose="020B0503020204020204" charset="-122"/>
-              </a:rPr>
-              <a:t>仓库地址：</a:t>
-            </a:r>
-            <a:r>
-              <a:rPr lang="zh-CN" altLang="en-US" sz="2400" dirty="0">
-                <a:latin typeface="微软雅黑" panose="020B0503020204020204" charset="-122"/>
-                <a:ea typeface="微软雅黑" panose="020B0503020204020204" charset="-122"/>
-                <a:cs typeface="微软雅黑" panose="020B0503020204020204" charset="-122"/>
-              </a:rPr>
-              <a:t>https://github.com/bili-xiaobei/weiwei_bride.git</a:t>
-            </a:r>
-            <a:endParaRPr lang="zh-CN" altLang="en-US" sz="3200" dirty="0">
+            <a:pPr>
+              <a:lnSpc>
+                <a:spcPct val="130000"/>
+              </a:lnSpc>
+            </a:pPr>
+            <a:r>
+              <a:rPr lang="zh-CN" altLang="en-US" sz="2800" b="1">
+                <a:latin typeface="微软雅黑" panose="020B0503020204020204" charset="-122"/>
+                <a:ea typeface="微软雅黑" panose="020B0503020204020204" charset="-122"/>
+                <a:cs typeface="微软雅黑" panose="020B0503020204020204" charset="-122"/>
+              </a:rPr>
+              <a:t>解决方法：</a:t>
+            </a:r>
+            <a:r>
+              <a:rPr lang="zh-CN" altLang="en-US" sz="2400">
+                <a:latin typeface="微软雅黑" panose="020B0503020204020204" charset="-122"/>
+                <a:ea typeface="微软雅黑" panose="020B0503020204020204" charset="-122"/>
+                <a:cs typeface="微软雅黑" panose="020B0503020204020204" charset="-122"/>
+              </a:rPr>
+              <a:t>在前端使用qs模块将对象转为字符串，以字符串方式提交给后端，后端依然使用body-parse处</a:t>
+            </a:r>
+            <a:endParaRPr lang="zh-CN" altLang="en-US" sz="2400">
               <a:latin typeface="微软雅黑" panose="020B0503020204020204" charset="-122"/>
               <a:ea typeface="微软雅黑" panose="020B0503020204020204" charset="-122"/>
               <a:cs typeface="微软雅黑" panose="020B0503020204020204" charset="-122"/>
             </a:endParaRPr>
           </a:p>
           <a:p>
-            <a:endParaRPr lang="zh-CN" altLang="en-US" sz="3200" dirty="0">
-              <a:latin typeface="微软雅黑" panose="020B0503020204020204" charset="-122"/>
-              <a:ea typeface="微软雅黑" panose="020B0503020204020204" charset="-122"/>
-              <a:cs typeface="微软雅黑" panose="020B0503020204020204" charset="-122"/>
-            </a:endParaRPr>
-          </a:p>
-          <a:p>
-            <a:r>
-              <a:rPr lang="zh-CN" altLang="en-US" sz="3200" dirty="0" smtClean="0">
-                <a:latin typeface="微软雅黑" panose="020B0503020204020204" charset="-122"/>
-                <a:ea typeface="微软雅黑" panose="020B0503020204020204" charset="-122"/>
-                <a:cs typeface="微软雅黑" panose="020B0503020204020204" charset="-122"/>
-              </a:rPr>
-              <a:t>代码</a:t>
-            </a:r>
-            <a:r>
-              <a:rPr lang="zh-CN" altLang="en-US" sz="3200" dirty="0">
-                <a:latin typeface="微软雅黑" panose="020B0503020204020204" charset="-122"/>
-                <a:ea typeface="微软雅黑" panose="020B0503020204020204" charset="-122"/>
-                <a:cs typeface="微软雅黑" panose="020B0503020204020204" charset="-122"/>
-              </a:rPr>
-              <a:t>部署上线地址：</a:t>
-            </a:r>
-            <a:r>
-              <a:rPr lang="zh-CN" altLang="en-US" sz="2400" dirty="0">
-                <a:latin typeface="微软雅黑" panose="020B0503020204020204" charset="-122"/>
-                <a:ea typeface="微软雅黑" panose="020B0503020204020204" charset="-122"/>
-                <a:cs typeface="微软雅黑" panose="020B0503020204020204" charset="-122"/>
-              </a:rPr>
-              <a:t>http://weiwei010101.applinzi.com （未完成）</a:t>
-            </a:r>
-            <a:endParaRPr lang="zh-CN" altLang="en-US" sz="2400" dirty="0">
+            <a:pPr>
+              <a:lnSpc>
+                <a:spcPct val="130000"/>
+              </a:lnSpc>
+            </a:pPr>
+            <a:r>
+              <a:rPr lang="zh-CN" altLang="en-US" sz="2400">
+                <a:latin typeface="微软雅黑" panose="020B0503020204020204" charset="-122"/>
+                <a:ea typeface="微软雅黑" panose="020B0503020204020204" charset="-122"/>
+                <a:cs typeface="微软雅黑" panose="020B0503020204020204" charset="-122"/>
+              </a:rPr>
+              <a:t>理数据；也可不处理前端，在后端用原始的req.on监听请求，再用JSON.parse/JSON.stringify来处理数据；</a:t>
+            </a:r>
+            <a:endParaRPr lang="zh-CN" altLang="en-US" sz="2400">
               <a:latin typeface="微软雅黑" panose="020B0503020204020204" charset="-122"/>
               <a:ea typeface="微软雅黑" panose="020B0503020204020204" charset="-122"/>
               <a:cs typeface="微软雅黑" panose="020B0503020204020204" charset="-122"/>
@@ -9240,7 +9095,7 @@
                 <a:ea typeface="微软雅黑" panose="020B0503020204020204" charset="-122"/>
                 <a:cs typeface="微软雅黑" panose="020B0503020204020204" charset="-122"/>
               </a:rPr>
-              <a:t>亿元以上，逐渐形成我国消费结构中引人注目的新亮点。利用互联网的普及婚庆类</a:t>
+              <a:t>亿元以上，逐渐形成我国消费结构中引人注目的新亮点。随着经济的发展，结婚选择穿婚纱的人越来越多，根据这几个需求，我们组选择了</a:t>
             </a:r>
             <a:r>
               <a:rPr lang="en-US" altLang="zh-CN" sz="3200" dirty="0">
@@ -9248,7 +9103,7 @@
                 <a:ea typeface="微软雅黑" panose="020B0503020204020204" charset="-122"/>
                 <a:cs typeface="微软雅黑" panose="020B0503020204020204" charset="-122"/>
               </a:rPr>
-              <a:t>APP</a:t>
+              <a:t>‘ </a:t>
             </a:r>
             <a:r>
               <a:rPr lang="zh-CN" altLang="en-US" sz="3200" dirty="0">
@@ -9256,18 +9111,28 @@
                 <a:ea typeface="微软雅黑" panose="020B0503020204020204" charset="-122"/>
                 <a:cs typeface="微软雅黑" panose="020B0503020204020204" charset="-122"/>
               </a:rPr>
-              <a:t>既能为用户带方便快捷的服务体验还能拓宽影楼企业的营销渠道拉近企业与个人用户的距离增加用户的粘合度</a:t>
+              <a:t>微微新娘</a:t>
+            </a:r>
+            <a:r>
+              <a:rPr lang="en-US" altLang="zh-CN" sz="3200" dirty="0">
+                <a:latin typeface="微软雅黑" panose="020B0503020204020204" charset="-122"/>
+                <a:ea typeface="微软雅黑" panose="020B0503020204020204" charset="-122"/>
+                <a:cs typeface="微软雅黑" panose="020B0503020204020204" charset="-122"/>
+              </a:rPr>
+              <a:t> ’</a:t>
             </a:r>
             <a:r>
               <a:rPr lang="zh-CN" altLang="en-US" sz="3200" dirty="0">
-                <a:latin typeface="华文楷体" panose="02010600040101010101" pitchFamily="2" charset="-122"/>
-                <a:ea typeface="华文楷体" panose="02010600040101010101" pitchFamily="2" charset="-122"/>
-              </a:rPr>
-              <a:t>。</a:t>
+                <a:latin typeface="微软雅黑" panose="020B0503020204020204" charset="-122"/>
+                <a:ea typeface="微软雅黑" panose="020B0503020204020204" charset="-122"/>
+                <a:cs typeface="微软雅黑" panose="020B0503020204020204" charset="-122"/>
+              </a:rPr>
+              <a:t>这个项目。</a:t>
             </a:r>
             <a:endParaRPr lang="zh-CN" altLang="en-US" sz="3200" b="1" dirty="0">
-              <a:latin typeface="华文楷体" panose="02010600040101010101" pitchFamily="2" charset="-122"/>
-              <a:ea typeface="华文楷体" panose="02010600040101010101" pitchFamily="2" charset="-122"/>
+              <a:latin typeface="微软雅黑" panose="020B0503020204020204" charset="-122"/>
+              <a:ea typeface="微软雅黑" panose="020B0503020204020204" charset="-122"/>
+              <a:cs typeface="微软雅黑" panose="020B0503020204020204" charset="-122"/>
             </a:endParaRPr>
           </a:p>
         </p:txBody>
@@ -9323,7 +9188,7 @@
                 <a:ea typeface="微软雅黑" panose="020B0503020204020204" charset="-122"/>
                 <a:cs typeface="微软雅黑" panose="020B0503020204020204" charset="-122"/>
               </a:rPr>
-              <a:t>4 </a:t>
+              <a:t>3 </a:t>
             </a:r>
             <a:r>
               <a:rPr lang="zh-CN" altLang="en-US" b="1" dirty="0" smtClean="0">
@@ -9349,8 +9214,8 @@
         </p:nvSpPr>
         <p:spPr>
           <a:xfrm>
-            <a:off x="614045" y="1481455"/>
-            <a:ext cx="10502265" cy="4648200"/>
+            <a:off x="648970" y="1481455"/>
+            <a:ext cx="10502265" cy="4489450"/>
           </a:xfrm>
           <a:prstGeom prst="rect">
             <a:avLst/>
@@ -9381,7 +9246,7 @@
                 <a:ea typeface="微软雅黑" panose="020B0503020204020204" charset="-122"/>
                 <a:cs typeface="微软雅黑" panose="020B0503020204020204" charset="-122"/>
               </a:rPr>
-              <a:t>1</a:t>
+              <a:t>2</a:t>
             </a:r>
             <a:r>
               <a:rPr lang="zh-CN" altLang="en-US" sz="3200" b="1">
@@ -9389,7 +9254,7 @@
                 <a:ea typeface="微软雅黑" panose="020B0503020204020204" charset="-122"/>
                 <a:cs typeface="微软雅黑" panose="020B0503020204020204" charset="-122"/>
               </a:rPr>
-              <a:t>：axios的post请求问题 </a:t>
+              <a:t>：如何判断用户是否登录 </a:t>
             </a:r>
             <a:endParaRPr lang="zh-CN" altLang="en-US" sz="3200" b="1">
               <a:latin typeface="微软雅黑" panose="020B0503020204020204" charset="-122"/>
@@ -9425,25 +9290,9 @@
                 <a:ea typeface="微软雅黑" panose="020B0503020204020204" charset="-122"/>
                 <a:cs typeface="微软雅黑" panose="020B0503020204020204" charset="-122"/>
               </a:rPr>
-              <a:t>a</a:t>
-            </a:r>
-            <a:r>
-              <a:rPr lang="zh-CN" altLang="en-US" sz="2400">
-                <a:latin typeface="微软雅黑" panose="020B0503020204020204" charset="-122"/>
-                <a:ea typeface="微软雅黑" panose="020B0503020204020204" charset="-122"/>
-                <a:cs typeface="微软雅黑" panose="020B0503020204020204" charset="-122"/>
-              </a:rPr>
-              <a:t>xios发送post请求默认提交的是json格式的数据，而在node中接收post请求的参数是通过body-parse（即querystring模块）中间件来转换参数的，导致参数接收不到,即req.body为空，或者数据格式</a:t>
-            </a:r>
-            <a:r>
-              <a:rPr lang="zh-CN" altLang="en-US" sz="2400">
-                <a:latin typeface="微软雅黑" panose="020B0503020204020204" charset="-122"/>
-                <a:ea typeface="微软雅黑" panose="020B0503020204020204" charset="-122"/>
-                <a:cs typeface="微软雅黑" panose="020B0503020204020204" charset="-122"/>
-              </a:rPr>
-              <a:t>不正确；</a:t>
-            </a:r>
-            <a:endParaRPr lang="zh-CN" altLang="en-US" sz="2400">
+              <a:t>当用户访问该网站的时候来进行判断用户是否已登录，用户登录时，可以来显示用户的信息，未登录时，只允许访问个别页面。</a:t>
+            </a:r>
+            <a:endParaRPr lang="zh-CN" altLang="en-US" sz="2000">
               <a:latin typeface="微软雅黑" panose="020B0503020204020204" charset="-122"/>
               <a:ea typeface="微软雅黑" panose="020B0503020204020204" charset="-122"/>
               <a:cs typeface="微软雅黑" panose="020B0503020204020204" charset="-122"/>
@@ -9455,7 +9304,7 @@
                 <a:spcPct val="130000"/>
               </a:lnSpc>
             </a:pPr>
-            <a:endParaRPr lang="zh-CN" altLang="en-US" sz="2400">
+            <a:endParaRPr lang="zh-CN" altLang="en-US" sz="2000">
               <a:latin typeface="微软雅黑" panose="020B0503020204020204" charset="-122"/>
               <a:ea typeface="微软雅黑" panose="020B0503020204020204" charset="-122"/>
               <a:cs typeface="微软雅黑" panose="020B0503020204020204" charset="-122"/>
@@ -9481,27 +9330,87 @@
                 <a:ea typeface="微软雅黑" panose="020B0503020204020204" charset="-122"/>
                 <a:cs typeface="微软雅黑" panose="020B0503020204020204" charset="-122"/>
               </a:rPr>
-              <a:t>在前端使用qs模块将对象转为字符串，以字符串方式提交给后端，后端依然使用body-parse处</a:t>
-            </a:r>
-            <a:endParaRPr lang="zh-CN" altLang="en-US" sz="2400">
-              <a:latin typeface="微软雅黑" panose="020B0503020204020204" charset="-122"/>
-              <a:ea typeface="微软雅黑" panose="020B0503020204020204" charset="-122"/>
-              <a:cs typeface="微软雅黑" panose="020B0503020204020204" charset="-122"/>
-            </a:endParaRPr>
-          </a:p>
-          <a:p>
-            <a:pPr>
-              <a:lnSpc>
-                <a:spcPct val="130000"/>
-              </a:lnSpc>
-            </a:pPr>
+              <a:t>在设计数据库的时候，在用户表中添加了一个 </a:t>
+            </a:r>
+            <a:r>
+              <a:rPr lang="en-US" altLang="zh-CN" sz="2400">
+                <a:latin typeface="微软雅黑" panose="020B0503020204020204" charset="-122"/>
+                <a:ea typeface="微软雅黑" panose="020B0503020204020204" charset="-122"/>
+                <a:cs typeface="微软雅黑" panose="020B0503020204020204" charset="-122"/>
+              </a:rPr>
+              <a:t>token </a:t>
+            </a:r>
             <a:r>
               <a:rPr lang="zh-CN" altLang="en-US" sz="2400">
                 <a:latin typeface="微软雅黑" panose="020B0503020204020204" charset="-122"/>
                 <a:ea typeface="微软雅黑" panose="020B0503020204020204" charset="-122"/>
                 <a:cs typeface="微软雅黑" panose="020B0503020204020204" charset="-122"/>
               </a:rPr>
-              <a:t>理数据；也可不处理前端，在后端用原始的req.on监听请求，再用JSON.parse/JSON.stringify来处理数据；</a:t>
+              <a:t>字段，当用户登录的时候，后端请求返回的参数中国包含 </a:t>
+            </a:r>
+            <a:r>
+              <a:rPr lang="en-US" altLang="zh-CN" sz="2400">
+                <a:latin typeface="微软雅黑" panose="020B0503020204020204" charset="-122"/>
+                <a:ea typeface="微软雅黑" panose="020B0503020204020204" charset="-122"/>
+                <a:cs typeface="微软雅黑" panose="020B0503020204020204" charset="-122"/>
+              </a:rPr>
+              <a:t>token </a:t>
+            </a:r>
+            <a:r>
+              <a:rPr lang="zh-CN" altLang="en-US" sz="2400">
+                <a:latin typeface="微软雅黑" panose="020B0503020204020204" charset="-122"/>
+                <a:ea typeface="微软雅黑" panose="020B0503020204020204" charset="-122"/>
+                <a:cs typeface="微软雅黑" panose="020B0503020204020204" charset="-122"/>
+              </a:rPr>
+              <a:t>字段，将 </a:t>
+            </a:r>
+            <a:r>
+              <a:rPr lang="en-US" altLang="zh-CN" sz="2400">
+                <a:latin typeface="微软雅黑" panose="020B0503020204020204" charset="-122"/>
+                <a:ea typeface="微软雅黑" panose="020B0503020204020204" charset="-122"/>
+                <a:cs typeface="微软雅黑" panose="020B0503020204020204" charset="-122"/>
+              </a:rPr>
+              <a:t>token </a:t>
+            </a:r>
+            <a:r>
+              <a:rPr lang="zh-CN" altLang="en-US" sz="2400">
+                <a:latin typeface="微软雅黑" panose="020B0503020204020204" charset="-122"/>
+                <a:ea typeface="微软雅黑" panose="020B0503020204020204" charset="-122"/>
+                <a:cs typeface="微软雅黑" panose="020B0503020204020204" charset="-122"/>
+              </a:rPr>
+              <a:t>的值存储（</a:t>
+            </a:r>
+            <a:r>
+              <a:rPr lang="en-US" altLang="zh-CN" sz="2400">
+                <a:latin typeface="微软雅黑" panose="020B0503020204020204" charset="-122"/>
+                <a:ea typeface="微软雅黑" panose="020B0503020204020204" charset="-122"/>
+                <a:cs typeface="微软雅黑" panose="020B0503020204020204" charset="-122"/>
+              </a:rPr>
+              <a:t>sessionStorage</a:t>
+            </a:r>
+            <a:r>
+              <a:rPr lang="zh-CN" altLang="en-US" sz="2400">
+                <a:latin typeface="微软雅黑" panose="020B0503020204020204" charset="-122"/>
+                <a:ea typeface="微软雅黑" panose="020B0503020204020204" charset="-122"/>
+                <a:cs typeface="微软雅黑" panose="020B0503020204020204" charset="-122"/>
+              </a:rPr>
+              <a:t>）到浏览器中，当用户要访问需要登录的页面的时候，来进行判断是否包含 </a:t>
+            </a:r>
+            <a:r>
+              <a:rPr lang="en-US" altLang="zh-CN" sz="2400">
+                <a:latin typeface="微软雅黑" panose="020B0503020204020204" charset="-122"/>
+                <a:ea typeface="微软雅黑" panose="020B0503020204020204" charset="-122"/>
+                <a:cs typeface="微软雅黑" panose="020B0503020204020204" charset="-122"/>
+              </a:rPr>
+              <a:t>token </a:t>
+            </a:r>
+            <a:r>
+              <a:rPr lang="zh-CN" altLang="en-US" sz="2400">
+                <a:latin typeface="微软雅黑" panose="020B0503020204020204" charset="-122"/>
+                <a:ea typeface="微软雅黑" panose="020B0503020204020204" charset="-122"/>
+                <a:cs typeface="微软雅黑" panose="020B0503020204020204" charset="-122"/>
+              </a:rPr>
+              <a:t>值，有：则显示该页面以及对应的数据，没有：则提示用户前去登录</a:t>
             </a:r>
             <a:endParaRPr lang="zh-CN" altLang="en-US" sz="2400">
               <a:latin typeface="微软雅黑" panose="020B0503020204020204" charset="-122"/>
@@ -9562,7 +9471,7 @@
                 <a:ea typeface="微软雅黑" panose="020B0503020204020204" charset="-122"/>
                 <a:cs typeface="微软雅黑" panose="020B0503020204020204" charset="-122"/>
               </a:rPr>
-              <a:t>4 </a:t>
+              <a:t>3 </a:t>
             </a:r>
             <a:r>
               <a:rPr lang="zh-CN" altLang="en-US" b="1" dirty="0" smtClean="0">
@@ -9588,8 +9497,8 @@
         </p:nvSpPr>
         <p:spPr>
           <a:xfrm>
-            <a:off x="648970" y="1481455"/>
-            <a:ext cx="10502265" cy="4489450"/>
+            <a:off x="649605" y="1481455"/>
+            <a:ext cx="10502265" cy="4568825"/>
           </a:xfrm>
           <a:prstGeom prst="rect">
             <a:avLst/>
@@ -9620,7 +9529,7 @@
                 <a:ea typeface="微软雅黑" panose="020B0503020204020204" charset="-122"/>
                 <a:cs typeface="微软雅黑" panose="020B0503020204020204" charset="-122"/>
               </a:rPr>
-              <a:t>2</a:t>
+              <a:t>3</a:t>
             </a:r>
             <a:r>
               <a:rPr lang="zh-CN" altLang="en-US" sz="3200" b="1">
@@ -9628,7 +9537,7 @@
                 <a:ea typeface="微软雅黑" panose="020B0503020204020204" charset="-122"/>
                 <a:cs typeface="微软雅黑" panose="020B0503020204020204" charset="-122"/>
               </a:rPr>
-              <a:t>：如何判断用户是否登录 </a:t>
+              <a:t>：如何修改应用的主题 </a:t>
             </a:r>
             <a:endParaRPr lang="zh-CN" altLang="en-US" sz="3200" b="1">
               <a:latin typeface="微软雅黑" panose="020B0503020204020204" charset="-122"/>
@@ -9664,9 +9573,9 @@
                 <a:ea typeface="微软雅黑" panose="020B0503020204020204" charset="-122"/>
                 <a:cs typeface="微软雅黑" panose="020B0503020204020204" charset="-122"/>
               </a:rPr>
-              <a:t>当用户访问该网站的时候来进行判断用户是否已登录，用户登录时，可以来显示用户的信息，未登录时，只允许访问个别页面。</a:t>
-            </a:r>
-            <a:endParaRPr lang="zh-CN" altLang="en-US" sz="2000">
+              <a:t>为满足大多数用户需要更改主题颜色，来达到更满意的购物体验的需求，因此出现系问题，用户可以通过 我的 -- &gt; 设置 --&gt; 更改主题  来进行设置应用的主题颜色</a:t>
+            </a:r>
+            <a:endParaRPr lang="zh-CN" altLang="en-US" sz="2400">
               <a:latin typeface="微软雅黑" panose="020B0503020204020204" charset="-122"/>
               <a:ea typeface="微软雅黑" panose="020B0503020204020204" charset="-122"/>
               <a:cs typeface="微软雅黑" panose="020B0503020204020204" charset="-122"/>
@@ -9704,7 +9613,7 @@
                 <a:ea typeface="微软雅黑" panose="020B0503020204020204" charset="-122"/>
                 <a:cs typeface="微软雅黑" panose="020B0503020204020204" charset="-122"/>
               </a:rPr>
-              <a:t>在设计数据库的时候，在用户表中添加了一个 </a:t>
+              <a:t>要进行主题的设置，需要一个全局的颜色，而 </a:t>
             </a:r>
             <a:r>
               <a:rPr lang="en-US" altLang="zh-CN" sz="2400">
@@ -9712,7 +9621,7 @@
                 <a:ea typeface="微软雅黑" panose="020B0503020204020204" charset="-122"/>
                 <a:cs typeface="微软雅黑" panose="020B0503020204020204" charset="-122"/>
               </a:rPr>
-              <a:t>token </a:t>
+              <a:t>sass </a:t>
             </a:r>
             <a:r>
               <a:rPr lang="zh-CN" altLang="en-US" sz="2400">
@@ -9720,7 +9629,7 @@
                 <a:ea typeface="微软雅黑" panose="020B0503020204020204" charset="-122"/>
                 <a:cs typeface="微软雅黑" panose="020B0503020204020204" charset="-122"/>
               </a:rPr>
-              <a:t>字段，当用户登录的时候，后端请求返回的参数中国包含 </a:t>
+              <a:t>语法中就拥有这个功能，在 </a:t>
             </a:r>
             <a:r>
               <a:rPr lang="en-US" altLang="zh-CN" sz="2400">
@@ -9728,7 +9637,7 @@
                 <a:ea typeface="微软雅黑" panose="020B0503020204020204" charset="-122"/>
                 <a:cs typeface="微软雅黑" panose="020B0503020204020204" charset="-122"/>
               </a:rPr>
-              <a:t>token </a:t>
+              <a:t>scss </a:t>
             </a:r>
             <a:r>
               <a:rPr lang="zh-CN" altLang="en-US" sz="2400">
@@ -9736,7 +9645,7 @@
                 <a:ea typeface="微软雅黑" panose="020B0503020204020204" charset="-122"/>
                 <a:cs typeface="微软雅黑" panose="020B0503020204020204" charset="-122"/>
               </a:rPr>
-              <a:t>字段，将 </a:t>
+              <a:t>文件中设置一个全局的主题颜色，然后经过 </a:t>
             </a:r>
             <a:r>
               <a:rPr lang="en-US" altLang="zh-CN" sz="2400">
@@ -9744,7 +9653,7 @@
                 <a:ea typeface="微软雅黑" panose="020B0503020204020204" charset="-122"/>
                 <a:cs typeface="微软雅黑" panose="020B0503020204020204" charset="-122"/>
               </a:rPr>
-              <a:t>token </a:t>
+              <a:t>vue.config.js </a:t>
             </a:r>
             <a:r>
               <a:rPr lang="zh-CN" altLang="en-US" sz="2400">
@@ -9752,7 +9661,7 @@
                 <a:ea typeface="微软雅黑" panose="020B0503020204020204" charset="-122"/>
                 <a:cs typeface="微软雅黑" panose="020B0503020204020204" charset="-122"/>
               </a:rPr>
-              <a:t>的值存储（</a:t>
+              <a:t>配置文件中，将文件配置为全局的</a:t>
             </a:r>
             <a:r>
               <a:rPr lang="en-US" altLang="zh-CN" sz="2400">
@@ -9760,7 +9669,7 @@
                 <a:ea typeface="微软雅黑" panose="020B0503020204020204" charset="-122"/>
                 <a:cs typeface="微软雅黑" panose="020B0503020204020204" charset="-122"/>
               </a:rPr>
-              <a:t>sessionStorage</a:t>
+              <a:t>css</a:t>
             </a:r>
             <a:r>
               <a:rPr lang="zh-CN" altLang="en-US" sz="2400">
@@ -9768,23 +9677,7 @@
                 <a:ea typeface="微软雅黑" panose="020B0503020204020204" charset="-122"/>
                 <a:cs typeface="微软雅黑" panose="020B0503020204020204" charset="-122"/>
               </a:rPr>
-              <a:t>）到浏览器中，当用户要访问需要登录的页面的时候，来进行判断是否包含 </a:t>
-            </a:r>
-            <a:r>
-              <a:rPr lang="en-US" altLang="zh-CN" sz="2400">
-                <a:latin typeface="微软雅黑" panose="020B0503020204020204" charset="-122"/>
-                <a:ea typeface="微软雅黑" panose="020B0503020204020204" charset="-122"/>
-                <a:cs typeface="微软雅黑" panose="020B0503020204020204" charset="-122"/>
-              </a:rPr>
-              <a:t>token </a:t>
-            </a:r>
-            <a:r>
-              <a:rPr lang="zh-CN" altLang="en-US" sz="2400">
-                <a:latin typeface="微软雅黑" panose="020B0503020204020204" charset="-122"/>
-                <a:ea typeface="微软雅黑" panose="020B0503020204020204" charset="-122"/>
-                <a:cs typeface="微软雅黑" panose="020B0503020204020204" charset="-122"/>
-              </a:rPr>
-              <a:t>值，有：则显示该页面以及对应的数据，没有：则提示用户前去登录</a:t>
+              <a:t>文件，然后就在全局就可以使用该文件暴露出来的全局主题颜色，进而实现主题的切换</a:t>
             </a:r>
             <a:endParaRPr lang="zh-CN" altLang="en-US" sz="2400">
               <a:latin typeface="微软雅黑" panose="020B0503020204020204" charset="-122"/>
@@ -9845,7 +9738,7 @@
                 <a:ea typeface="微软雅黑" panose="020B0503020204020204" charset="-122"/>
                 <a:cs typeface="微软雅黑" panose="020B0503020204020204" charset="-122"/>
               </a:rPr>
-              <a:t>4 </a:t>
+              <a:t>3 </a:t>
             </a:r>
             <a:r>
               <a:rPr lang="zh-CN" altLang="en-US" b="1" dirty="0" smtClean="0">
@@ -9871,8 +9764,8 @@
         </p:nvSpPr>
         <p:spPr>
           <a:xfrm>
-            <a:off x="649605" y="1481455"/>
-            <a:ext cx="10502265" cy="4568825"/>
+            <a:off x="702945" y="1481455"/>
+            <a:ext cx="10502265" cy="4728210"/>
           </a:xfrm>
           <a:prstGeom prst="rect">
             <a:avLst/>
@@ -9903,7 +9796,7 @@
                 <a:ea typeface="微软雅黑" panose="020B0503020204020204" charset="-122"/>
                 <a:cs typeface="微软雅黑" panose="020B0503020204020204" charset="-122"/>
               </a:rPr>
-              <a:t>3</a:t>
+              <a:t>4</a:t>
             </a:r>
             <a:r>
               <a:rPr lang="zh-CN" altLang="en-US" sz="3200" b="1">
@@ -9911,7 +9804,7 @@
                 <a:ea typeface="微软雅黑" panose="020B0503020204020204" charset="-122"/>
                 <a:cs typeface="微软雅黑" panose="020B0503020204020204" charset="-122"/>
               </a:rPr>
-              <a:t>：如何修改应用的主题 </a:t>
+              <a:t>：如何实现不同设备间的布局混乱</a:t>
             </a:r>
             <a:endParaRPr lang="zh-CN" altLang="en-US" sz="3200" b="1">
               <a:latin typeface="微软雅黑" panose="020B0503020204020204" charset="-122"/>
@@ -9947,9 +9840,9 @@
                 <a:ea typeface="微软雅黑" panose="020B0503020204020204" charset="-122"/>
                 <a:cs typeface="微软雅黑" panose="020B0503020204020204" charset="-122"/>
               </a:rPr>
-              <a:t>为满足大多数用户需要更改主题颜色，来达到更满意的购物体验的需求，因此出现系问题，用户可以通过 我的 -- &gt; 设置 --&gt; 更改主题  来进行设置应用的主题颜色</a:t>
-            </a:r>
-            <a:endParaRPr lang="zh-CN" altLang="en-US" sz="2400">
+              <a:t>该项目以 iPhone 6/7/8 为模板来进行开发，为防止因为用户的设备不同而出现的布局问题，查资料了解到，此需求为 移动端适配问题</a:t>
+            </a:r>
+            <a:endParaRPr lang="zh-CN" altLang="en-US" sz="2000">
               <a:latin typeface="微软雅黑" panose="020B0503020204020204" charset="-122"/>
               <a:ea typeface="微软雅黑" panose="020B0503020204020204" charset="-122"/>
               <a:cs typeface="微软雅黑" panose="020B0503020204020204" charset="-122"/>
@@ -9961,7 +9854,7 @@
                 <a:spcPct val="130000"/>
               </a:lnSpc>
             </a:pPr>
-            <a:endParaRPr lang="zh-CN" altLang="en-US" sz="2000">
+            <a:endParaRPr lang="zh-CN" altLang="en-US" sz="2800" b="1">
               <a:latin typeface="微软雅黑" panose="020B0503020204020204" charset="-122"/>
               <a:ea typeface="微软雅黑" panose="020B0503020204020204" charset="-122"/>
               <a:cs typeface="微软雅黑" panose="020B0503020204020204" charset="-122"/>
@@ -9987,7 +9880,7 @@
                 <a:ea typeface="微软雅黑" panose="020B0503020204020204" charset="-122"/>
                 <a:cs typeface="微软雅黑" panose="020B0503020204020204" charset="-122"/>
               </a:rPr>
-              <a:t>要进行主题的设置，需要一个全局的颜色，而 </a:t>
+              <a:t>在网上查资料得知，可以通过媒体查询来进行布局，也可以通过 移动端提供的一个 在窗口或框架被调整大小时触发的事件</a:t>
             </a:r>
             <a:r>
               <a:rPr lang="en-US" altLang="zh-CN" sz="2400">
@@ -9995,7 +9888,7 @@
                 <a:ea typeface="微软雅黑" panose="020B0503020204020204" charset="-122"/>
                 <a:cs typeface="微软雅黑" panose="020B0503020204020204" charset="-122"/>
               </a:rPr>
-              <a:t>sass </a:t>
+              <a:t>( onresize )</a:t>
             </a:r>
             <a:r>
               <a:rPr lang="zh-CN" altLang="en-US" sz="2400">
@@ -10003,7 +9896,7 @@
                 <a:ea typeface="微软雅黑" panose="020B0503020204020204" charset="-122"/>
                 <a:cs typeface="微软雅黑" panose="020B0503020204020204" charset="-122"/>
               </a:rPr>
-              <a:t>语法中就拥有这个功能，在 </a:t>
+              <a:t>，通过设备的不同而进行计算，让每个设备大小都以 </a:t>
             </a:r>
             <a:r>
               <a:rPr lang="en-US" altLang="zh-CN" sz="2400">
@@ -10011,7 +9904,7 @@
                 <a:ea typeface="微软雅黑" panose="020B0503020204020204" charset="-122"/>
                 <a:cs typeface="微软雅黑" panose="020B0503020204020204" charset="-122"/>
               </a:rPr>
-              <a:t>scss </a:t>
+              <a:t>rem </a:t>
             </a:r>
             <a:r>
               <a:rPr lang="zh-CN" altLang="en-US" sz="2400">
@@ -10019,7 +9912,7 @@
                 <a:ea typeface="微软雅黑" panose="020B0503020204020204" charset="-122"/>
                 <a:cs typeface="微软雅黑" panose="020B0503020204020204" charset="-122"/>
               </a:rPr>
-              <a:t>文件中设置一个全局的主题颜色，然后经过 </a:t>
+              <a:t>来进行表示，</a:t>
             </a:r>
             <a:r>
               <a:rPr lang="en-US" altLang="zh-CN" sz="2400">
@@ -10027,7 +9920,7 @@
                 <a:ea typeface="微软雅黑" panose="020B0503020204020204" charset="-122"/>
                 <a:cs typeface="微软雅黑" panose="020B0503020204020204" charset="-122"/>
               </a:rPr>
-              <a:t>vue.config.js </a:t>
+              <a:t>rem </a:t>
             </a:r>
             <a:r>
               <a:rPr lang="zh-CN" altLang="en-US" sz="2400">
@@ -10035,7 +9928,7 @@
                 <a:ea typeface="微软雅黑" panose="020B0503020204020204" charset="-122"/>
                 <a:cs typeface="微软雅黑" panose="020B0503020204020204" charset="-122"/>
               </a:rPr>
-              <a:t>配置文件中，将文件配置为全局的</a:t>
+              <a:t>为</a:t>
             </a:r>
             <a:r>
               <a:rPr lang="en-US" altLang="zh-CN" sz="2400">
@@ -10043,7 +9936,7 @@
                 <a:ea typeface="微软雅黑" panose="020B0503020204020204" charset="-122"/>
                 <a:cs typeface="微软雅黑" panose="020B0503020204020204" charset="-122"/>
               </a:rPr>
-              <a:t>css</a:t>
+              <a:t>HTML</a:t>
             </a:r>
             <a:r>
               <a:rPr lang="zh-CN" altLang="en-US" sz="2400">
@@ -10051,7 +9944,55 @@
                 <a:ea typeface="微软雅黑" panose="020B0503020204020204" charset="-122"/>
                 <a:cs typeface="微软雅黑" panose="020B0503020204020204" charset="-122"/>
               </a:rPr>
-              <a:t>文件，然后就在全局就可以使用该文件暴露出来的全局主题颜色，进而实现主题的切换</a:t>
+              <a:t>根元素的字体大小，所以可以在 </a:t>
+            </a:r>
+            <a:r>
+              <a:rPr lang="en-US" altLang="zh-CN" sz="2400">
+                <a:latin typeface="微软雅黑" panose="020B0503020204020204" charset="-122"/>
+                <a:ea typeface="微软雅黑" panose="020B0503020204020204" charset="-122"/>
+                <a:cs typeface="微软雅黑" panose="020B0503020204020204" charset="-122"/>
+              </a:rPr>
+              <a:t>onresize </a:t>
+            </a:r>
+            <a:r>
+              <a:rPr lang="zh-CN" altLang="en-US" sz="2400">
+                <a:latin typeface="微软雅黑" panose="020B0503020204020204" charset="-122"/>
+                <a:ea typeface="微软雅黑" panose="020B0503020204020204" charset="-122"/>
+                <a:cs typeface="微软雅黑" panose="020B0503020204020204" charset="-122"/>
+              </a:rPr>
+              <a:t>事件中让各种设备的宽度都为 </a:t>
+            </a:r>
+            <a:r>
+              <a:rPr lang="en-US" altLang="zh-CN" sz="2400">
+                <a:latin typeface="微软雅黑" panose="020B0503020204020204" charset="-122"/>
+                <a:ea typeface="微软雅黑" panose="020B0503020204020204" charset="-122"/>
+                <a:cs typeface="微软雅黑" panose="020B0503020204020204" charset="-122"/>
+              </a:rPr>
+              <a:t>xxrem</a:t>
+            </a:r>
+            <a:r>
+              <a:rPr lang="zh-CN" altLang="en-US" sz="2400">
+                <a:latin typeface="微软雅黑" panose="020B0503020204020204" charset="-122"/>
+                <a:ea typeface="微软雅黑" panose="020B0503020204020204" charset="-122"/>
+                <a:cs typeface="微软雅黑" panose="020B0503020204020204" charset="-122"/>
+              </a:rPr>
+              <a:t>，此后所有的大小都以 </a:t>
+            </a:r>
+            <a:r>
+              <a:rPr lang="en-US" altLang="zh-CN" sz="2400">
+                <a:latin typeface="微软雅黑" panose="020B0503020204020204" charset="-122"/>
+                <a:ea typeface="微软雅黑" panose="020B0503020204020204" charset="-122"/>
+                <a:cs typeface="微软雅黑" panose="020B0503020204020204" charset="-122"/>
+              </a:rPr>
+              <a:t>rem </a:t>
+            </a:r>
+            <a:r>
+              <a:rPr lang="zh-CN" altLang="en-US" sz="2400">
+                <a:latin typeface="微软雅黑" panose="020B0503020204020204" charset="-122"/>
+                <a:ea typeface="微软雅黑" panose="020B0503020204020204" charset="-122"/>
+                <a:cs typeface="微软雅黑" panose="020B0503020204020204" charset="-122"/>
+              </a:rPr>
+              <a:t>为单位。（性能问题：未知）</a:t>
             </a:r>
             <a:endParaRPr lang="zh-CN" altLang="en-US" sz="2400">
               <a:latin typeface="微软雅黑" panose="020B0503020204020204" charset="-122"/>
@@ -10098,321 +10039,6 @@
         </p:nvSpPr>
         <p:spPr>
           <a:xfrm>
-            <a:off x="285750" y="155575"/>
-            <a:ext cx="10515600" cy="1325563"/>
-          </a:xfrm>
-        </p:spPr>
-        <p:txBody>
-          <a:bodyPr/>
-          <a:lstStyle/>
-          <a:p>
-            <a:r>
-              <a:rPr lang="en-US" altLang="zh-CN" b="1" dirty="0" smtClean="0">
-                <a:latin typeface="微软雅黑" panose="020B0503020204020204" charset="-122"/>
-                <a:ea typeface="微软雅黑" panose="020B0503020204020204" charset="-122"/>
-                <a:cs typeface="微软雅黑" panose="020B0503020204020204" charset="-122"/>
-              </a:rPr>
-              <a:t>4 </a:t>
-            </a:r>
-            <a:r>
-              <a:rPr lang="zh-CN" altLang="en-US" b="1" dirty="0" smtClean="0">
-                <a:latin typeface="微软雅黑" panose="020B0503020204020204" charset="-122"/>
-                <a:ea typeface="微软雅黑" panose="020B0503020204020204" charset="-122"/>
-                <a:cs typeface="微软雅黑" panose="020B0503020204020204" charset="-122"/>
-              </a:rPr>
-              <a:t>项目难点及解决</a:t>
-            </a:r>
-            <a:endParaRPr lang="zh-CN" altLang="en-US" dirty="0">
-              <a:latin typeface="微软雅黑" panose="020B0503020204020204" charset="-122"/>
-              <a:ea typeface="微软雅黑" panose="020B0503020204020204" charset="-122"/>
-              <a:cs typeface="微软雅黑" panose="020B0503020204020204" charset="-122"/>
-            </a:endParaRPr>
-          </a:p>
-        </p:txBody>
-      </p:sp>
-      <p:sp>
-        <p:nvSpPr>
-          <p:cNvPr id="4" name="文本框 3"/>
-          <p:cNvSpPr txBox="1"/>
-          <p:nvPr/>
-        </p:nvSpPr>
-        <p:spPr>
-          <a:xfrm>
-            <a:off x="702945" y="1481455"/>
-            <a:ext cx="10502265" cy="4728210"/>
-          </a:xfrm>
-          <a:prstGeom prst="rect">
-            <a:avLst/>
-          </a:prstGeom>
-          <a:noFill/>
-        </p:spPr>
-        <p:txBody>
-          <a:bodyPr wrap="square" rtlCol="0" anchor="t">
-            <a:spAutoFit/>
-          </a:bodyPr>
-          <a:p>
-            <a:pPr>
-              <a:lnSpc>
-                <a:spcPct val="130000"/>
-              </a:lnSpc>
-            </a:pPr>
-            <a:r>
-              <a:rPr lang="zh-CN" altLang="en-US" sz="3200" b="1">
-                <a:latin typeface="微软雅黑" panose="020B0503020204020204" charset="-122"/>
-                <a:ea typeface="微软雅黑" panose="020B0503020204020204" charset="-122"/>
-                <a:cs typeface="微软雅黑" panose="020B0503020204020204" charset="-122"/>
-              </a:rPr>
-              <a:t>难点</a:t>
-            </a:r>
-            <a:r>
-              <a:rPr lang="en-US" altLang="zh-CN" sz="3200" b="1">
-                <a:latin typeface="微软雅黑" panose="020B0503020204020204" charset="-122"/>
-                <a:ea typeface="微软雅黑" panose="020B0503020204020204" charset="-122"/>
-                <a:cs typeface="微软雅黑" panose="020B0503020204020204" charset="-122"/>
-              </a:rPr>
-              <a:t>4</a:t>
-            </a:r>
-            <a:r>
-              <a:rPr lang="zh-CN" altLang="en-US" sz="3200" b="1">
-                <a:latin typeface="微软雅黑" panose="020B0503020204020204" charset="-122"/>
-                <a:ea typeface="微软雅黑" panose="020B0503020204020204" charset="-122"/>
-                <a:cs typeface="微软雅黑" panose="020B0503020204020204" charset="-122"/>
-              </a:rPr>
-              <a:t>：如何实现不同设备间的布局混乱</a:t>
-            </a:r>
-            <a:endParaRPr lang="zh-CN" altLang="en-US" sz="3200" b="1">
-              <a:latin typeface="微软雅黑" panose="020B0503020204020204" charset="-122"/>
-              <a:ea typeface="微软雅黑" panose="020B0503020204020204" charset="-122"/>
-              <a:cs typeface="微软雅黑" panose="020B0503020204020204" charset="-122"/>
-            </a:endParaRPr>
-          </a:p>
-          <a:p>
-            <a:pPr>
-              <a:lnSpc>
-                <a:spcPct val="130000"/>
-              </a:lnSpc>
-            </a:pPr>
-            <a:r>
-              <a:rPr lang="zh-CN" altLang="en-US" sz="2400" b="1">
-                <a:latin typeface="微软雅黑" panose="020B0503020204020204" charset="-122"/>
-                <a:ea typeface="微软雅黑" panose="020B0503020204020204" charset="-122"/>
-                <a:cs typeface="微软雅黑" panose="020B0503020204020204" charset="-122"/>
-              </a:rPr>
-              <a:t>问题描述</a:t>
-            </a:r>
-            <a:r>
-              <a:rPr lang="zh-CN" altLang="en-US" sz="2000">
-                <a:latin typeface="微软雅黑" panose="020B0503020204020204" charset="-122"/>
-                <a:ea typeface="微软雅黑" panose="020B0503020204020204" charset="-122"/>
-                <a:cs typeface="微软雅黑" panose="020B0503020204020204" charset="-122"/>
-              </a:rPr>
-              <a:t>：</a:t>
-            </a:r>
-            <a:r>
-              <a:rPr lang="zh-CN" altLang="en-US" sz="2400">
-                <a:latin typeface="微软雅黑" panose="020B0503020204020204" charset="-122"/>
-                <a:ea typeface="微软雅黑" panose="020B0503020204020204" charset="-122"/>
-                <a:cs typeface="微软雅黑" panose="020B0503020204020204" charset="-122"/>
-              </a:rPr>
-              <a:t>该项目以 iPhone 6/7/8 为模板来进行开发，为防止因为用户的设备不同而出现的布局问题，查资料了解到，此需求为 移动端适配问题</a:t>
-            </a:r>
-            <a:endParaRPr lang="zh-CN" altLang="en-US" sz="2000">
-              <a:latin typeface="微软雅黑" panose="020B0503020204020204" charset="-122"/>
-              <a:ea typeface="微软雅黑" panose="020B0503020204020204" charset="-122"/>
-              <a:cs typeface="微软雅黑" panose="020B0503020204020204" charset="-122"/>
-            </a:endParaRPr>
-          </a:p>
-          <a:p>
-            <a:pPr>
-              <a:lnSpc>
-                <a:spcPct val="130000"/>
-              </a:lnSpc>
-            </a:pPr>
-            <a:endParaRPr lang="zh-CN" altLang="en-US" sz="2800" b="1">
-              <a:latin typeface="微软雅黑" panose="020B0503020204020204" charset="-122"/>
-              <a:ea typeface="微软雅黑" panose="020B0503020204020204" charset="-122"/>
-              <a:cs typeface="微软雅黑" panose="020B0503020204020204" charset="-122"/>
-            </a:endParaRPr>
-          </a:p>
-          <a:p>
-            <a:pPr>
-              <a:lnSpc>
-                <a:spcPct val="130000"/>
-              </a:lnSpc>
-            </a:pPr>
-            <a:r>
-              <a:rPr lang="zh-CN" altLang="en-US" sz="2800" b="1">
-                <a:latin typeface="微软雅黑" panose="020B0503020204020204" charset="-122"/>
-                <a:ea typeface="微软雅黑" panose="020B0503020204020204" charset="-122"/>
-                <a:cs typeface="微软雅黑" panose="020B0503020204020204" charset="-122"/>
-              </a:rPr>
-              <a:t>解决方法：</a:t>
-            </a:r>
-            <a:r>
-              <a:rPr lang="zh-CN" altLang="en-US" sz="2400">
-                <a:latin typeface="微软雅黑" panose="020B0503020204020204" charset="-122"/>
-                <a:ea typeface="微软雅黑" panose="020B0503020204020204" charset="-122"/>
-                <a:cs typeface="微软雅黑" panose="020B0503020204020204" charset="-122"/>
-              </a:rPr>
-              <a:t>在网上查资料得知，可以通过媒体查询来进行布局，也可以通过 移动端提供的一个 在窗口或框架被调整大小时触发的事件</a:t>
-            </a:r>
-            <a:r>
-              <a:rPr lang="en-US" altLang="zh-CN" sz="2400">
-                <a:latin typeface="微软雅黑" panose="020B0503020204020204" charset="-122"/>
-                <a:ea typeface="微软雅黑" panose="020B0503020204020204" charset="-122"/>
-                <a:cs typeface="微软雅黑" panose="020B0503020204020204" charset="-122"/>
-              </a:rPr>
-              <a:t>( onresize )</a:t>
-            </a:r>
-            <a:r>
-              <a:rPr lang="zh-CN" altLang="en-US" sz="2400">
-                <a:latin typeface="微软雅黑" panose="020B0503020204020204" charset="-122"/>
-                <a:ea typeface="微软雅黑" panose="020B0503020204020204" charset="-122"/>
-                <a:cs typeface="微软雅黑" panose="020B0503020204020204" charset="-122"/>
-              </a:rPr>
-              <a:t>，通过设备的不同而进行计算，让每个设备大小都以 </a:t>
-            </a:r>
-            <a:r>
-              <a:rPr lang="en-US" altLang="zh-CN" sz="2400">
-                <a:latin typeface="微软雅黑" panose="020B0503020204020204" charset="-122"/>
-                <a:ea typeface="微软雅黑" panose="020B0503020204020204" charset="-122"/>
-                <a:cs typeface="微软雅黑" panose="020B0503020204020204" charset="-122"/>
-              </a:rPr>
-              <a:t>rem </a:t>
-            </a:r>
-            <a:r>
-              <a:rPr lang="zh-CN" altLang="en-US" sz="2400">
-                <a:latin typeface="微软雅黑" panose="020B0503020204020204" charset="-122"/>
-                <a:ea typeface="微软雅黑" panose="020B0503020204020204" charset="-122"/>
-                <a:cs typeface="微软雅黑" panose="020B0503020204020204" charset="-122"/>
-              </a:rPr>
-              <a:t>来进行表示，</a:t>
-            </a:r>
-            <a:r>
-              <a:rPr lang="en-US" altLang="zh-CN" sz="2400">
-                <a:latin typeface="微软雅黑" panose="020B0503020204020204" charset="-122"/>
-                <a:ea typeface="微软雅黑" panose="020B0503020204020204" charset="-122"/>
-                <a:cs typeface="微软雅黑" panose="020B0503020204020204" charset="-122"/>
-              </a:rPr>
-              <a:t>rem </a:t>
-            </a:r>
-            <a:r>
-              <a:rPr lang="zh-CN" altLang="en-US" sz="2400">
-                <a:latin typeface="微软雅黑" panose="020B0503020204020204" charset="-122"/>
-                <a:ea typeface="微软雅黑" panose="020B0503020204020204" charset="-122"/>
-                <a:cs typeface="微软雅黑" panose="020B0503020204020204" charset="-122"/>
-              </a:rPr>
-              <a:t>为</a:t>
-            </a:r>
-            <a:r>
-              <a:rPr lang="en-US" altLang="zh-CN" sz="2400">
-                <a:latin typeface="微软雅黑" panose="020B0503020204020204" charset="-122"/>
-                <a:ea typeface="微软雅黑" panose="020B0503020204020204" charset="-122"/>
-                <a:cs typeface="微软雅黑" panose="020B0503020204020204" charset="-122"/>
-              </a:rPr>
-              <a:t>HTML</a:t>
-            </a:r>
-            <a:r>
-              <a:rPr lang="zh-CN" altLang="en-US" sz="2400">
-                <a:latin typeface="微软雅黑" panose="020B0503020204020204" charset="-122"/>
-                <a:ea typeface="微软雅黑" panose="020B0503020204020204" charset="-122"/>
-                <a:cs typeface="微软雅黑" panose="020B0503020204020204" charset="-122"/>
-              </a:rPr>
-              <a:t>根元素的字体大小，所以可以在 </a:t>
-            </a:r>
-            <a:r>
-              <a:rPr lang="en-US" altLang="zh-CN" sz="2400">
-                <a:latin typeface="微软雅黑" panose="020B0503020204020204" charset="-122"/>
-                <a:ea typeface="微软雅黑" panose="020B0503020204020204" charset="-122"/>
-                <a:cs typeface="微软雅黑" panose="020B0503020204020204" charset="-122"/>
-              </a:rPr>
-              <a:t>onresize </a:t>
-            </a:r>
-            <a:r>
-              <a:rPr lang="zh-CN" altLang="en-US" sz="2400">
-                <a:latin typeface="微软雅黑" panose="020B0503020204020204" charset="-122"/>
-                <a:ea typeface="微软雅黑" panose="020B0503020204020204" charset="-122"/>
-                <a:cs typeface="微软雅黑" panose="020B0503020204020204" charset="-122"/>
-              </a:rPr>
-              <a:t>事件中让各种设备的宽度都为 </a:t>
-            </a:r>
-            <a:r>
-              <a:rPr lang="en-US" altLang="zh-CN" sz="2400">
-                <a:latin typeface="微软雅黑" panose="020B0503020204020204" charset="-122"/>
-                <a:ea typeface="微软雅黑" panose="020B0503020204020204" charset="-122"/>
-                <a:cs typeface="微软雅黑" panose="020B0503020204020204" charset="-122"/>
-              </a:rPr>
-              <a:t>xxrem</a:t>
-            </a:r>
-            <a:r>
-              <a:rPr lang="zh-CN" altLang="en-US" sz="2400">
-                <a:latin typeface="微软雅黑" panose="020B0503020204020204" charset="-122"/>
-                <a:ea typeface="微软雅黑" panose="020B0503020204020204" charset="-122"/>
-                <a:cs typeface="微软雅黑" panose="020B0503020204020204" charset="-122"/>
-              </a:rPr>
-              <a:t>，此后所有的大小都以 </a:t>
-            </a:r>
-            <a:r>
-              <a:rPr lang="en-US" altLang="zh-CN" sz="2400">
-                <a:latin typeface="微软雅黑" panose="020B0503020204020204" charset="-122"/>
-                <a:ea typeface="微软雅黑" panose="020B0503020204020204" charset="-122"/>
-                <a:cs typeface="微软雅黑" panose="020B0503020204020204" charset="-122"/>
-              </a:rPr>
-              <a:t>rem </a:t>
-            </a:r>
-            <a:r>
-              <a:rPr lang="zh-CN" altLang="en-US" sz="2400">
-                <a:latin typeface="微软雅黑" panose="020B0503020204020204" charset="-122"/>
-                <a:ea typeface="微软雅黑" panose="020B0503020204020204" charset="-122"/>
-                <a:cs typeface="微软雅黑" panose="020B0503020204020204" charset="-122"/>
-              </a:rPr>
-              <a:t>为单位。（性能问题：未知）</a:t>
-            </a:r>
-            <a:endParaRPr lang="zh-CN" altLang="en-US" sz="2400">
-              <a:latin typeface="微软雅黑" panose="020B0503020204020204" charset="-122"/>
-              <a:ea typeface="微软雅黑" panose="020B0503020204020204" charset="-122"/>
-              <a:cs typeface="微软雅黑" panose="020B0503020204020204" charset="-122"/>
-            </a:endParaRPr>
-          </a:p>
-        </p:txBody>
-      </p:sp>
-    </p:spTree>
-  </p:cSld>
-  <p:clrMapOvr>
-    <a:masterClrMapping/>
-  </p:clrMapOvr>
-</p:sld>
-</file>
-
-<file path=ppt/slides/slide24.xml><?xml version="1.0" encoding="utf-8"?>
-<p:sld xmlns:a="http://schemas.openxmlformats.org/drawingml/2006/main" xmlns:r="http://schemas.openxmlformats.org/officeDocument/2006/relationships" xmlns:p="http://schemas.openxmlformats.org/presentationml/2006/main">
-  <p:cSld>
-    <p:spTree>
-      <p:nvGrpSpPr>
-        <p:cNvPr id="1" name=""/>
-        <p:cNvGrpSpPr/>
-        <p:nvPr/>
-      </p:nvGrpSpPr>
-      <p:grpSpPr>
-        <a:xfrm>
-          <a:off x="0" y="0"/>
-          <a:ext cx="0" cy="0"/>
-          <a:chOff x="0" y="0"/>
-          <a:chExt cx="0" cy="0"/>
-        </a:xfrm>
-      </p:grpSpPr>
-      <p:sp>
-        <p:nvSpPr>
-          <p:cNvPr id="2" name="标题 1"/>
-          <p:cNvSpPr>
-            <a:spLocks noGrp="1"/>
-          </p:cNvSpPr>
-          <p:nvPr>
-            <p:ph type="title"/>
-          </p:nvPr>
-        </p:nvSpPr>
-        <p:spPr>
-          <a:xfrm>
             <a:off x="2473325" y="2047875"/>
             <a:ext cx="7245985" cy="2762250"/>
           </a:xfrm>
@@ -10439,443 +10065,6 @@
           </a:p>
         </p:txBody>
       </p:sp>
-    </p:spTree>
-  </p:cSld>
-  <p:clrMapOvr>
-    <a:masterClrMapping/>
-  </p:clrMapOvr>
-</p:sld>
-</file>
-
-<file path=ppt/slides/slide25.xml><?xml version="1.0" encoding="utf-8"?>
-<p:sld xmlns:a="http://schemas.openxmlformats.org/drawingml/2006/main" xmlns:r="http://schemas.openxmlformats.org/officeDocument/2006/relationships" xmlns:p="http://schemas.openxmlformats.org/presentationml/2006/main">
-  <p:cSld>
-    <p:spTree>
-      <p:nvGrpSpPr>
-        <p:cNvPr id="1" name=""/>
-        <p:cNvGrpSpPr/>
-        <p:nvPr/>
-      </p:nvGrpSpPr>
-      <p:grpSpPr>
-        <a:xfrm>
-          <a:off x="0" y="0"/>
-          <a:ext cx="0" cy="0"/>
-          <a:chOff x="0" y="0"/>
-          <a:chExt cx="0" cy="0"/>
-        </a:xfrm>
-      </p:grpSpPr>
-      <p:sp>
-        <p:nvSpPr>
-          <p:cNvPr id="2" name="标题 1"/>
-          <p:cNvSpPr>
-            <a:spLocks noGrp="1"/>
-          </p:cNvSpPr>
-          <p:nvPr>
-            <p:ph type="title"/>
-          </p:nvPr>
-        </p:nvSpPr>
-        <p:spPr>
-          <a:xfrm>
-            <a:off x="285750" y="155575"/>
-            <a:ext cx="10515600" cy="1325563"/>
-          </a:xfrm>
-        </p:spPr>
-        <p:txBody>
-          <a:bodyPr/>
-          <a:lstStyle/>
-          <a:p>
-            <a:r>
-              <a:rPr lang="en-US" altLang="zh-CN" b="1" dirty="0">
-                <a:latin typeface="仿宋" panose="02010609060101010101" pitchFamily="49" charset="-122"/>
-                <a:ea typeface="仿宋" panose="02010609060101010101" pitchFamily="49" charset="-122"/>
-              </a:rPr>
-              <a:t>5</a:t>
-            </a:r>
-            <a:r>
-              <a:rPr lang="en-US" altLang="zh-CN" b="1" dirty="0" smtClean="0">
-                <a:latin typeface="仿宋" panose="02010609060101010101" pitchFamily="49" charset="-122"/>
-                <a:ea typeface="仿宋" panose="02010609060101010101" pitchFamily="49" charset="-122"/>
-              </a:rPr>
-              <a:t> </a:t>
-            </a:r>
-            <a:r>
-              <a:rPr lang="zh-CN" altLang="en-US" b="1" dirty="0" smtClean="0">
-                <a:latin typeface="仿宋" panose="02010609060101010101" pitchFamily="49" charset="-122"/>
-                <a:ea typeface="仿宋" panose="02010609060101010101" pitchFamily="49" charset="-122"/>
-              </a:rPr>
-              <a:t>项目预期规划</a:t>
-            </a:r>
-            <a:endParaRPr lang="zh-CN" altLang="en-US" dirty="0"/>
-          </a:p>
-        </p:txBody>
-      </p:sp>
-      <p:graphicFrame>
-        <p:nvGraphicFramePr>
-          <p:cNvPr id="4" name="表格 3"/>
-          <p:cNvGraphicFramePr>
-            <a:graphicFrameLocks noGrp="1"/>
-          </p:cNvGraphicFramePr>
-          <p:nvPr>
-            <p:custDataLst>
-              <p:tags r:id="rId1"/>
-            </p:custDataLst>
-          </p:nvPr>
-        </p:nvGraphicFramePr>
-        <p:xfrm>
-          <a:off x="606712" y="1481136"/>
-          <a:ext cx="11032838" cy="5014914"/>
-        </p:xfrm>
-        <a:graphic>
-          <a:graphicData uri="http://schemas.openxmlformats.org/drawingml/2006/table">
-            <a:tbl>
-              <a:tblPr firstRow="1" bandRow="1">
-                <a:tableStyleId>{5940675A-B579-460E-94D1-54222C63F5DA}</a:tableStyleId>
-              </a:tblPr>
-              <a:tblGrid>
-                <a:gridCol w="2206567"/>
-                <a:gridCol w="3063799"/>
-                <a:gridCol w="3075431"/>
-                <a:gridCol w="2687041"/>
-              </a:tblGrid>
-              <a:tr h="835819">
-                <a:tc>
-                  <a:txBody>
-                    <a:bodyPr/>
-                    <a:lstStyle/>
-                    <a:p>
-                      <a:pPr algn="ctr"/>
-                      <a:r>
-                        <a:rPr lang="zh-CN" altLang="en-US" b="1" dirty="0" smtClean="0">
-                          <a:solidFill>
-                            <a:schemeClr val="bg1"/>
-                          </a:solidFill>
-                        </a:rPr>
-                        <a:t>新增功能</a:t>
-                      </a:r>
-                      <a:endParaRPr lang="zh-CN" altLang="en-US" b="1" dirty="0">
-                        <a:solidFill>
-                          <a:schemeClr val="bg1"/>
-                        </a:solidFill>
-                      </a:endParaRPr>
-                    </a:p>
-                  </a:txBody>
-                  <a:tcPr anchor="ctr">
-                    <a:solidFill>
-                      <a:schemeClr val="accent1"/>
-                    </a:solidFill>
-                  </a:tcPr>
-                </a:tc>
-                <a:tc>
-                  <a:txBody>
-                    <a:bodyPr/>
-                    <a:lstStyle/>
-                    <a:p>
-                      <a:pPr algn="ctr"/>
-                      <a:r>
-                        <a:rPr lang="zh-CN" altLang="en-US" b="1" dirty="0" smtClean="0">
-                          <a:solidFill>
-                            <a:schemeClr val="bg1"/>
-                          </a:solidFill>
-                        </a:rPr>
-                        <a:t>功能描述实现方式</a:t>
-                      </a:r>
-                      <a:endParaRPr lang="zh-CN" altLang="en-US" b="1" dirty="0">
-                        <a:solidFill>
-                          <a:schemeClr val="bg1"/>
-                        </a:solidFill>
-                      </a:endParaRPr>
-                    </a:p>
-                  </a:txBody>
-                  <a:tcPr anchor="ctr">
-                    <a:solidFill>
-                      <a:schemeClr val="accent1"/>
-                    </a:solidFill>
-                  </a:tcPr>
-                </a:tc>
-                <a:tc>
-                  <a:txBody>
-                    <a:bodyPr/>
-                    <a:lstStyle/>
-                    <a:p>
-                      <a:pPr marL="0" marR="0" indent="0" algn="ctr" defTabSz="914400" rtl="0" eaLnBrk="1" fontAlgn="auto" latinLnBrk="0" hangingPunct="1">
-                        <a:lnSpc>
-                          <a:spcPct val="100000"/>
-                        </a:lnSpc>
-                        <a:spcBef>
-                          <a:spcPts val="0"/>
-                        </a:spcBef>
-                        <a:spcAft>
-                          <a:spcPts val="0"/>
-                        </a:spcAft>
-                        <a:buClrTx/>
-                        <a:buSzTx/>
-                        <a:buFontTx/>
-                        <a:buNone/>
-                        <a:defRPr/>
-                      </a:pPr>
-                      <a:r>
-                        <a:rPr lang="zh-CN" altLang="en-US" b="1" dirty="0" smtClean="0">
-                          <a:solidFill>
-                            <a:schemeClr val="bg1"/>
-                          </a:solidFill>
-                        </a:rPr>
-                        <a:t>实现方式</a:t>
-                      </a:r>
-                      <a:endParaRPr lang="zh-CN" altLang="en-US" b="1" dirty="0" smtClean="0">
-                        <a:solidFill>
-                          <a:schemeClr val="bg1"/>
-                        </a:solidFill>
-                      </a:endParaRPr>
-                    </a:p>
-                  </a:txBody>
-                  <a:tcPr anchor="ctr">
-                    <a:solidFill>
-                      <a:schemeClr val="accent1"/>
-                    </a:solidFill>
-                  </a:tcPr>
-                </a:tc>
-                <a:tc>
-                  <a:txBody>
-                    <a:bodyPr/>
-                    <a:lstStyle/>
-                    <a:p>
-                      <a:pPr algn="ctr"/>
-                      <a:r>
-                        <a:rPr lang="zh-CN" altLang="en-US" b="1" dirty="0" smtClean="0">
-                          <a:solidFill>
-                            <a:schemeClr val="bg1"/>
-                          </a:solidFill>
-                        </a:rPr>
-                        <a:t>备注</a:t>
-                      </a:r>
-                      <a:endParaRPr lang="zh-CN" altLang="en-US" b="1" dirty="0">
-                        <a:solidFill>
-                          <a:schemeClr val="bg1"/>
-                        </a:solidFill>
-                      </a:endParaRPr>
-                    </a:p>
-                  </a:txBody>
-                  <a:tcPr anchor="ctr">
-                    <a:solidFill>
-                      <a:schemeClr val="accent1"/>
-                    </a:solidFill>
-                  </a:tcPr>
-                </a:tc>
-              </a:tr>
-              <a:tr h="835819">
-                <a:tc>
-                  <a:txBody>
-                    <a:bodyPr/>
-                    <a:lstStyle/>
-                    <a:p>
-                      <a:endParaRPr lang="zh-CN" altLang="en-US" dirty="0"/>
-                    </a:p>
-                  </a:txBody>
-                  <a:tcPr/>
-                </a:tc>
-                <a:tc>
-                  <a:txBody>
-                    <a:bodyPr/>
-                    <a:lstStyle/>
-                    <a:p>
-                      <a:endParaRPr lang="zh-CN" altLang="en-US"/>
-                    </a:p>
-                  </a:txBody>
-                  <a:tcPr/>
-                </a:tc>
-                <a:tc>
-                  <a:txBody>
-                    <a:bodyPr/>
-                    <a:lstStyle/>
-                    <a:p>
-                      <a:endParaRPr lang="zh-CN" altLang="en-US"/>
-                    </a:p>
-                  </a:txBody>
-                  <a:tcPr/>
-                </a:tc>
-                <a:tc>
-                  <a:txBody>
-                    <a:bodyPr/>
-                    <a:lstStyle/>
-                    <a:p>
-                      <a:endParaRPr lang="zh-CN" altLang="en-US"/>
-                    </a:p>
-                  </a:txBody>
-                  <a:tcPr/>
-                </a:tc>
-              </a:tr>
-              <a:tr h="835819">
-                <a:tc>
-                  <a:txBody>
-                    <a:bodyPr/>
-                    <a:lstStyle/>
-                    <a:p>
-                      <a:endParaRPr lang="zh-CN" altLang="en-US"/>
-                    </a:p>
-                  </a:txBody>
-                  <a:tcPr/>
-                </a:tc>
-                <a:tc>
-                  <a:txBody>
-                    <a:bodyPr/>
-                    <a:lstStyle/>
-                    <a:p>
-                      <a:endParaRPr lang="zh-CN" altLang="en-US"/>
-                    </a:p>
-                  </a:txBody>
-                  <a:tcPr/>
-                </a:tc>
-                <a:tc>
-                  <a:txBody>
-                    <a:bodyPr/>
-                    <a:lstStyle/>
-                    <a:p>
-                      <a:endParaRPr lang="zh-CN" altLang="en-US"/>
-                    </a:p>
-                  </a:txBody>
-                  <a:tcPr/>
-                </a:tc>
-                <a:tc>
-                  <a:txBody>
-                    <a:bodyPr/>
-                    <a:lstStyle/>
-                    <a:p>
-                      <a:endParaRPr lang="zh-CN" altLang="en-US"/>
-                    </a:p>
-                  </a:txBody>
-                  <a:tcPr/>
-                </a:tc>
-              </a:tr>
-              <a:tr h="835819">
-                <a:tc>
-                  <a:txBody>
-                    <a:bodyPr/>
-                    <a:lstStyle/>
-                    <a:p>
-                      <a:endParaRPr lang="zh-CN" altLang="en-US"/>
-                    </a:p>
-                  </a:txBody>
-                  <a:tcPr/>
-                </a:tc>
-                <a:tc>
-                  <a:txBody>
-                    <a:bodyPr/>
-                    <a:lstStyle/>
-                    <a:p>
-                      <a:endParaRPr lang="zh-CN" altLang="en-US"/>
-                    </a:p>
-                  </a:txBody>
-                  <a:tcPr/>
-                </a:tc>
-                <a:tc>
-                  <a:txBody>
-                    <a:bodyPr/>
-                    <a:lstStyle/>
-                    <a:p>
-                      <a:endParaRPr lang="zh-CN" altLang="en-US"/>
-                    </a:p>
-                  </a:txBody>
-                  <a:tcPr/>
-                </a:tc>
-                <a:tc>
-                  <a:txBody>
-                    <a:bodyPr/>
-                    <a:lstStyle/>
-                    <a:p>
-                      <a:endParaRPr lang="zh-CN" altLang="en-US"/>
-                    </a:p>
-                  </a:txBody>
-                  <a:tcPr/>
-                </a:tc>
-              </a:tr>
-              <a:tr h="835819">
-                <a:tc>
-                  <a:txBody>
-                    <a:bodyPr/>
-                    <a:lstStyle/>
-                    <a:p>
-                      <a:endParaRPr lang="zh-CN" altLang="en-US"/>
-                    </a:p>
-                  </a:txBody>
-                  <a:tcPr/>
-                </a:tc>
-                <a:tc>
-                  <a:txBody>
-                    <a:bodyPr/>
-                    <a:lstStyle/>
-                    <a:p>
-                      <a:endParaRPr lang="zh-CN" altLang="en-US"/>
-                    </a:p>
-                  </a:txBody>
-                  <a:tcPr/>
-                </a:tc>
-                <a:tc>
-                  <a:txBody>
-                    <a:bodyPr/>
-                    <a:lstStyle/>
-                    <a:p>
-                      <a:endParaRPr lang="zh-CN" altLang="en-US"/>
-                    </a:p>
-                  </a:txBody>
-                  <a:tcPr/>
-                </a:tc>
-                <a:tc>
-                  <a:txBody>
-                    <a:bodyPr/>
-                    <a:lstStyle/>
-                    <a:p>
-                      <a:endParaRPr lang="zh-CN" altLang="en-US"/>
-                    </a:p>
-                  </a:txBody>
-                  <a:tcPr/>
-                </a:tc>
-              </a:tr>
-              <a:tr h="835819">
-                <a:tc>
-                  <a:txBody>
-                    <a:bodyPr/>
-                    <a:lstStyle/>
-                    <a:p>
-                      <a:endParaRPr lang="zh-CN" altLang="en-US"/>
-                    </a:p>
-                  </a:txBody>
-                  <a:tcPr/>
-                </a:tc>
-                <a:tc>
-                  <a:txBody>
-                    <a:bodyPr/>
-                    <a:lstStyle/>
-                    <a:p>
-                      <a:endParaRPr lang="zh-CN" altLang="en-US"/>
-                    </a:p>
-                  </a:txBody>
-                  <a:tcPr/>
-                </a:tc>
-                <a:tc>
-                  <a:txBody>
-                    <a:bodyPr/>
-                    <a:lstStyle/>
-                    <a:p>
-                      <a:endParaRPr lang="zh-CN" altLang="en-US"/>
-                    </a:p>
-                  </a:txBody>
-                  <a:tcPr/>
-                </a:tc>
-                <a:tc>
-                  <a:txBody>
-                    <a:bodyPr/>
-                    <a:lstStyle/>
-                    <a:p>
-                      <a:endParaRPr lang="zh-CN" altLang="en-US" dirty="0"/>
-                    </a:p>
-                  </a:txBody>
-                  <a:tcPr/>
-                </a:tc>
-              </a:tr>
-            </a:tbl>
-          </a:graphicData>
-        </a:graphic>
-      </p:graphicFrame>
     </p:spTree>
   </p:cSld>
   <p:clrMapOvr>
@@ -11998,7 +11187,7 @@
         </p:spPr>
         <p:txBody>
           <a:bodyPr>
-            <a:normAutofit fontScale="92500" lnSpcReduction="20000"/>
+            <a:normAutofit fontScale="92500"/>
           </a:bodyPr>
           <a:lstStyle/>
           <a:p>
@@ -12163,7 +11352,7 @@
                 <a:ea typeface="微软雅黑" panose="020B0503020204020204" charset="-122"/>
                 <a:cs typeface="微软雅黑" panose="020B0503020204020204" charset="-122"/>
               </a:rPr>
-              <a:t>  为即将踏上婚礼殿堂的准新人提供一个婚礼经验交流、服务的平台</a:t>
+              <a:t>  提供一个婚礼经验交流、服务的平台</a:t>
             </a:r>
             <a:endParaRPr lang="zh-CN" altLang="en-US" sz="3200" dirty="0">
               <a:latin typeface="微软雅黑" panose="020B0503020204020204" charset="-122"/>
@@ -14707,12 +13896,6 @@
 <file path=ppt/tags/tag5.xml><?xml version="1.0" encoding="utf-8"?>
 <p:tagLst xmlns:p="http://schemas.openxmlformats.org/presentationml/2006/main">
   <p:tag name="KSO_WM_UNIT_TABLE_BEAUTIFY" val="smartTable{824db2ef-8ceb-427b-ba1d-8912279b76a0}"/>
-</p:tagLst>
-</file>
-
-<file path=ppt/tags/tag6.xml><?xml version="1.0" encoding="utf-8"?>
-<p:tagLst xmlns:p="http://schemas.openxmlformats.org/presentationml/2006/main">
-  <p:tag name="KSO_WM_UNIT_TABLE_BEAUTIFY" val="smartTable{57680a74-4922-46bc-a115-96c0583a1a37}"/>
 </p:tagLst>
 </file>
 
